--- a/dotnet-architect-01/src/013 JWT/MicroService.pptx
+++ b/dotnet-architect-01/src/013 JWT/MicroService.pptx
@@ -5,66 +5,66 @@
     <p:sldMasterId id="2147483648" r:id="rId1"/>
   </p:sldMasterIdLst>
   <p:notesMasterIdLst>
-    <p:notesMasterId r:id="rId59"/>
+    <p:notesMasterId r:id="rId60"/>
   </p:notesMasterIdLst>
   <p:sldIdLst>
-    <p:sldId id="280" r:id="rId2"/>
-    <p:sldId id="313" r:id="rId3"/>
-    <p:sldId id="315" r:id="rId4"/>
-    <p:sldId id="316" r:id="rId5"/>
-    <p:sldId id="317" r:id="rId6"/>
-    <p:sldId id="350" r:id="rId7"/>
-    <p:sldId id="318" r:id="rId8"/>
-    <p:sldId id="322" r:id="rId9"/>
-    <p:sldId id="323" r:id="rId10"/>
-    <p:sldId id="325" r:id="rId11"/>
-    <p:sldId id="319" r:id="rId12"/>
-    <p:sldId id="351" r:id="rId13"/>
-    <p:sldId id="371" r:id="rId14"/>
-    <p:sldId id="355" r:id="rId15"/>
-    <p:sldId id="356" r:id="rId16"/>
-    <p:sldId id="327" r:id="rId17"/>
-    <p:sldId id="328" r:id="rId18"/>
-    <p:sldId id="362" r:id="rId19"/>
-    <p:sldId id="357" r:id="rId20"/>
-    <p:sldId id="358" r:id="rId21"/>
-    <p:sldId id="359" r:id="rId22"/>
-    <p:sldId id="360" r:id="rId23"/>
-    <p:sldId id="361" r:id="rId24"/>
-    <p:sldId id="379" r:id="rId25"/>
-    <p:sldId id="326" r:id="rId26"/>
-    <p:sldId id="363" r:id="rId27"/>
-    <p:sldId id="329" r:id="rId28"/>
-    <p:sldId id="365" r:id="rId29"/>
-    <p:sldId id="370" r:id="rId30"/>
-    <p:sldId id="366" r:id="rId31"/>
-    <p:sldId id="380" r:id="rId32"/>
-    <p:sldId id="367" r:id="rId33"/>
-    <p:sldId id="381" r:id="rId34"/>
-    <p:sldId id="368" r:id="rId35"/>
-    <p:sldId id="382" r:id="rId36"/>
-    <p:sldId id="369" r:id="rId37"/>
-    <p:sldId id="385" r:id="rId38"/>
-    <p:sldId id="372" r:id="rId39"/>
-    <p:sldId id="373" r:id="rId40"/>
-    <p:sldId id="378" r:id="rId41"/>
-    <p:sldId id="383" r:id="rId42"/>
-    <p:sldId id="386" r:id="rId43"/>
-    <p:sldId id="330" r:id="rId44"/>
-    <p:sldId id="392" r:id="rId45"/>
-    <p:sldId id="393" r:id="rId46"/>
-    <p:sldId id="387" r:id="rId47"/>
-    <p:sldId id="384" r:id="rId48"/>
-    <p:sldId id="388" r:id="rId49"/>
-    <p:sldId id="389" r:id="rId50"/>
-    <p:sldId id="324" r:id="rId51"/>
-    <p:sldId id="390" r:id="rId52"/>
-    <p:sldId id="331" r:id="rId53"/>
-    <p:sldId id="332" r:id="rId54"/>
-    <p:sldId id="391" r:id="rId55"/>
-    <p:sldId id="333" r:id="rId56"/>
-    <p:sldId id="334" r:id="rId57"/>
-    <p:sldId id="289" r:id="rId58"/>
+    <p:sldId id="280" r:id="rId3"/>
+    <p:sldId id="313" r:id="rId4"/>
+    <p:sldId id="315" r:id="rId5"/>
+    <p:sldId id="316" r:id="rId6"/>
+    <p:sldId id="317" r:id="rId7"/>
+    <p:sldId id="350" r:id="rId8"/>
+    <p:sldId id="318" r:id="rId9"/>
+    <p:sldId id="322" r:id="rId10"/>
+    <p:sldId id="323" r:id="rId11"/>
+    <p:sldId id="325" r:id="rId12"/>
+    <p:sldId id="319" r:id="rId13"/>
+    <p:sldId id="351" r:id="rId14"/>
+    <p:sldId id="371" r:id="rId15"/>
+    <p:sldId id="355" r:id="rId16"/>
+    <p:sldId id="356" r:id="rId17"/>
+    <p:sldId id="327" r:id="rId18"/>
+    <p:sldId id="328" r:id="rId19"/>
+    <p:sldId id="362" r:id="rId20"/>
+    <p:sldId id="357" r:id="rId21"/>
+    <p:sldId id="358" r:id="rId22"/>
+    <p:sldId id="359" r:id="rId23"/>
+    <p:sldId id="360" r:id="rId24"/>
+    <p:sldId id="361" r:id="rId25"/>
+    <p:sldId id="379" r:id="rId26"/>
+    <p:sldId id="326" r:id="rId27"/>
+    <p:sldId id="363" r:id="rId28"/>
+    <p:sldId id="329" r:id="rId29"/>
+    <p:sldId id="365" r:id="rId30"/>
+    <p:sldId id="370" r:id="rId31"/>
+    <p:sldId id="366" r:id="rId32"/>
+    <p:sldId id="380" r:id="rId33"/>
+    <p:sldId id="367" r:id="rId34"/>
+    <p:sldId id="381" r:id="rId35"/>
+    <p:sldId id="368" r:id="rId36"/>
+    <p:sldId id="382" r:id="rId37"/>
+    <p:sldId id="369" r:id="rId38"/>
+    <p:sldId id="385" r:id="rId39"/>
+    <p:sldId id="372" r:id="rId40"/>
+    <p:sldId id="373" r:id="rId41"/>
+    <p:sldId id="378" r:id="rId42"/>
+    <p:sldId id="383" r:id="rId43"/>
+    <p:sldId id="386" r:id="rId44"/>
+    <p:sldId id="330" r:id="rId45"/>
+    <p:sldId id="392" r:id="rId46"/>
+    <p:sldId id="393" r:id="rId47"/>
+    <p:sldId id="387" r:id="rId48"/>
+    <p:sldId id="384" r:id="rId49"/>
+    <p:sldId id="388" r:id="rId50"/>
+    <p:sldId id="389" r:id="rId51"/>
+    <p:sldId id="324" r:id="rId52"/>
+    <p:sldId id="390" r:id="rId53"/>
+    <p:sldId id="331" r:id="rId54"/>
+    <p:sldId id="332" r:id="rId55"/>
+    <p:sldId id="391" r:id="rId56"/>
+    <p:sldId id="333" r:id="rId57"/>
+    <p:sldId id="334" r:id="rId58"/>
+    <p:sldId id="289" r:id="rId59"/>
   </p:sldIdLst>
   <p:sldSz cx="9144000" cy="5143500" type="screen16x9"/>
   <p:notesSz cx="6858000" cy="9144000"/>
@@ -244,22 +244,6 @@
       </a:defRPr>
     </a:lvl9pPr>
   </p:defaultTextStyle>
-  <p:extLst>
-    <p:ext uri="{EFAFB233-063F-42B5-8137-9DF3F51BA10A}">
-      <p15:sldGuideLst xmlns:p15="http://schemas.microsoft.com/office/powerpoint/2012/main">
-        <p15:guide id="1" orient="horz" pos="1588">
-          <p15:clr>
-            <a:srgbClr val="A4A3A4"/>
-          </p15:clr>
-        </p15:guide>
-        <p15:guide id="2" pos="2880">
-          <p15:clr>
-            <a:srgbClr val="A4A3A4"/>
-          </p15:clr>
-        </p15:guide>
-      </p15:sldGuideLst>
-    </p:ext>
-  </p:extLst>
 </p:presentation>
 </file>
 
@@ -357,7 +341,6 @@
               <a:rPr lang="zh-CN" altLang="en-US" dirty="0">
                 <a:ea typeface="宋体" panose="02010600030101010101" pitchFamily="2" charset="-122"/>
               </a:rPr>
-              <a:t>2020/1/15</a:t>
             </a:fld>
             <a:endParaRPr lang="zh-CN" altLang="en-US" sz="1200" dirty="0">
               <a:latin typeface="微软雅黑" panose="020B0503020204020204" pitchFamily="2" charset="-122"/>
@@ -420,6 +403,7 @@
               <a:rPr lang="zh-CN" altLang="en-US"/>
               <a:t>单击此处编辑母版文本样式</a:t>
             </a:r>
+            <a:endParaRPr lang="zh-CN" altLang="en-US"/>
           </a:p>
           <a:p>
             <a:pPr lvl="1"/>
@@ -427,6 +411,7 @@
               <a:rPr lang="zh-CN" altLang="en-US"/>
               <a:t>第二级</a:t>
             </a:r>
+            <a:endParaRPr lang="zh-CN" altLang="en-US"/>
           </a:p>
           <a:p>
             <a:pPr lvl="2"/>
@@ -434,6 +419,7 @@
               <a:rPr lang="zh-CN" altLang="en-US"/>
               <a:t>第三级</a:t>
             </a:r>
+            <a:endParaRPr lang="zh-CN" altLang="en-US"/>
           </a:p>
           <a:p>
             <a:pPr lvl="3"/>
@@ -441,6 +427,7 @@
               <a:rPr lang="zh-CN" altLang="en-US"/>
               <a:t>第四级</a:t>
             </a:r>
+            <a:endParaRPr lang="zh-CN" altLang="en-US"/>
           </a:p>
           <a:p>
             <a:pPr lvl="4"/>
@@ -448,6 +435,7 @@
               <a:rPr lang="zh-CN" altLang="en-US"/>
               <a:t>第五级</a:t>
             </a:r>
+            <a:endParaRPr lang="zh-CN" altLang="en-US"/>
           </a:p>
         </p:txBody>
       </p:sp>
@@ -518,7 +506,6 @@
               <a:rPr lang="zh-CN" altLang="en-US" dirty="0">
                 <a:ea typeface="宋体" panose="02010600030101010101" pitchFamily="2" charset="-122"/>
               </a:rPr>
-              <a:t>‹#›</a:t>
             </a:fld>
             <a:endParaRPr lang="zh-CN" altLang="en-US" sz="1200" dirty="0">
               <a:latin typeface="微软雅黑" panose="020B0503020204020204" pitchFamily="2" charset="-122"/>
@@ -608,6 +595,7 @@
               <a:rPr lang="zh-CN" altLang="en-US"/>
               <a:t>单击此处编辑母版标题样式</a:t>
             </a:r>
+            <a:endParaRPr lang="zh-CN" altLang="en-US"/>
           </a:p>
         </p:txBody>
       </p:sp>
@@ -672,6 +660,7 @@
               <a:rPr lang="zh-CN" altLang="en-US"/>
               <a:t>单击此处编辑母版副标题样式</a:t>
             </a:r>
+            <a:endParaRPr lang="zh-CN" altLang="en-US"/>
           </a:p>
         </p:txBody>
       </p:sp>
@@ -695,7 +684,6 @@
               <a:rPr lang="zh-CN" altLang="en-US" dirty="0">
                 <a:sym typeface="微软雅黑" panose="020B0503020204020204" pitchFamily="2" charset="-122"/>
               </a:rPr>
-              <a:t>2020/1/15</a:t>
             </a:fld>
             <a:endParaRPr lang="zh-CN" altLang="en-US" dirty="0">
               <a:sym typeface="微软雅黑" panose="020B0503020204020204" pitchFamily="2" charset="-122"/>
@@ -745,7 +733,6 @@
               <a:rPr lang="zh-CN" altLang="en-US" dirty="0">
                 <a:sym typeface="微软雅黑" panose="020B0503020204020204" pitchFamily="2" charset="-122"/>
               </a:rPr>
-              <a:t>‹#›</a:t>
             </a:fld>
             <a:endParaRPr lang="zh-CN" altLang="en-US" dirty="0">
               <a:sym typeface="微软雅黑" panose="020B0503020204020204" pitchFamily="2" charset="-122"/>
@@ -797,6 +784,7 @@
               <a:rPr lang="zh-CN" altLang="en-US"/>
               <a:t>单击此处编辑母版标题样式</a:t>
             </a:r>
+            <a:endParaRPr lang="zh-CN" altLang="en-US"/>
           </a:p>
         </p:txBody>
       </p:sp>
@@ -820,6 +808,7 @@
               <a:rPr lang="zh-CN" altLang="en-US"/>
               <a:t>单击此处编辑母版文本样式</a:t>
             </a:r>
+            <a:endParaRPr lang="zh-CN" altLang="en-US"/>
           </a:p>
           <a:p>
             <a:pPr lvl="1"/>
@@ -827,6 +816,7 @@
               <a:rPr lang="zh-CN" altLang="en-US"/>
               <a:t>第二级</a:t>
             </a:r>
+            <a:endParaRPr lang="zh-CN" altLang="en-US"/>
           </a:p>
           <a:p>
             <a:pPr lvl="2"/>
@@ -834,6 +824,7 @@
               <a:rPr lang="zh-CN" altLang="en-US"/>
               <a:t>第三级</a:t>
             </a:r>
+            <a:endParaRPr lang="zh-CN" altLang="en-US"/>
           </a:p>
           <a:p>
             <a:pPr lvl="3"/>
@@ -841,6 +832,7 @@
               <a:rPr lang="zh-CN" altLang="en-US"/>
               <a:t>第四级</a:t>
             </a:r>
+            <a:endParaRPr lang="zh-CN" altLang="en-US"/>
           </a:p>
           <a:p>
             <a:pPr lvl="4"/>
@@ -848,6 +840,7 @@
               <a:rPr lang="zh-CN" altLang="en-US"/>
               <a:t>第五级</a:t>
             </a:r>
+            <a:endParaRPr lang="zh-CN" altLang="en-US"/>
           </a:p>
         </p:txBody>
       </p:sp>
@@ -871,7 +864,6 @@
               <a:rPr lang="zh-CN" altLang="en-US" dirty="0">
                 <a:sym typeface="微软雅黑" panose="020B0503020204020204" pitchFamily="2" charset="-122"/>
               </a:rPr>
-              <a:t>2020/1/15</a:t>
             </a:fld>
             <a:endParaRPr lang="zh-CN" altLang="en-US" dirty="0">
               <a:sym typeface="微软雅黑" panose="020B0503020204020204" pitchFamily="2" charset="-122"/>
@@ -921,7 +913,6 @@
               <a:rPr lang="zh-CN" altLang="en-US" dirty="0">
                 <a:sym typeface="微软雅黑" panose="020B0503020204020204" pitchFamily="2" charset="-122"/>
               </a:rPr>
-              <a:t>‹#›</a:t>
             </a:fld>
             <a:endParaRPr lang="zh-CN" altLang="en-US" dirty="0">
               <a:sym typeface="微软雅黑" panose="020B0503020204020204" pitchFamily="2" charset="-122"/>
@@ -978,6 +969,7 @@
               <a:rPr lang="zh-CN" altLang="en-US"/>
               <a:t>单击此处编辑母版标题样式</a:t>
             </a:r>
+            <a:endParaRPr lang="zh-CN" altLang="en-US"/>
           </a:p>
         </p:txBody>
       </p:sp>
@@ -1006,6 +998,7 @@
               <a:rPr lang="zh-CN" altLang="en-US"/>
               <a:t>单击此处编辑母版文本样式</a:t>
             </a:r>
+            <a:endParaRPr lang="zh-CN" altLang="en-US"/>
           </a:p>
           <a:p>
             <a:pPr lvl="1"/>
@@ -1013,6 +1006,7 @@
               <a:rPr lang="zh-CN" altLang="en-US"/>
               <a:t>第二级</a:t>
             </a:r>
+            <a:endParaRPr lang="zh-CN" altLang="en-US"/>
           </a:p>
           <a:p>
             <a:pPr lvl="2"/>
@@ -1020,6 +1014,7 @@
               <a:rPr lang="zh-CN" altLang="en-US"/>
               <a:t>第三级</a:t>
             </a:r>
+            <a:endParaRPr lang="zh-CN" altLang="en-US"/>
           </a:p>
           <a:p>
             <a:pPr lvl="3"/>
@@ -1027,6 +1022,7 @@
               <a:rPr lang="zh-CN" altLang="en-US"/>
               <a:t>第四级</a:t>
             </a:r>
+            <a:endParaRPr lang="zh-CN" altLang="en-US"/>
           </a:p>
           <a:p>
             <a:pPr lvl="4"/>
@@ -1034,6 +1030,7 @@
               <a:rPr lang="zh-CN" altLang="en-US"/>
               <a:t>第五级</a:t>
             </a:r>
+            <a:endParaRPr lang="zh-CN" altLang="en-US"/>
           </a:p>
         </p:txBody>
       </p:sp>
@@ -1057,7 +1054,6 @@
               <a:rPr lang="zh-CN" altLang="en-US" dirty="0">
                 <a:sym typeface="微软雅黑" panose="020B0503020204020204" pitchFamily="2" charset="-122"/>
               </a:rPr>
-              <a:t>2020/1/15</a:t>
             </a:fld>
             <a:endParaRPr lang="zh-CN" altLang="en-US" dirty="0">
               <a:sym typeface="微软雅黑" panose="020B0503020204020204" pitchFamily="2" charset="-122"/>
@@ -1107,7 +1103,6 @@
               <a:rPr lang="zh-CN" altLang="en-US" dirty="0">
                 <a:sym typeface="微软雅黑" panose="020B0503020204020204" pitchFamily="2" charset="-122"/>
               </a:rPr>
-              <a:t>‹#›</a:t>
             </a:fld>
             <a:endParaRPr lang="zh-CN" altLang="en-US" dirty="0">
               <a:sym typeface="微软雅黑" panose="020B0503020204020204" pitchFamily="2" charset="-122"/>
@@ -1159,6 +1154,7 @@
               <a:rPr lang="zh-CN" altLang="en-US"/>
               <a:t>单击此处编辑母版标题样式</a:t>
             </a:r>
+            <a:endParaRPr lang="zh-CN" altLang="en-US"/>
           </a:p>
         </p:txBody>
       </p:sp>
@@ -1182,6 +1178,7 @@
               <a:rPr lang="zh-CN" altLang="en-US"/>
               <a:t>单击此处编辑母版文本样式</a:t>
             </a:r>
+            <a:endParaRPr lang="zh-CN" altLang="en-US"/>
           </a:p>
           <a:p>
             <a:pPr lvl="1"/>
@@ -1189,6 +1186,7 @@
               <a:rPr lang="zh-CN" altLang="en-US"/>
               <a:t>第二级</a:t>
             </a:r>
+            <a:endParaRPr lang="zh-CN" altLang="en-US"/>
           </a:p>
           <a:p>
             <a:pPr lvl="2"/>
@@ -1196,6 +1194,7 @@
               <a:rPr lang="zh-CN" altLang="en-US"/>
               <a:t>第三级</a:t>
             </a:r>
+            <a:endParaRPr lang="zh-CN" altLang="en-US"/>
           </a:p>
           <a:p>
             <a:pPr lvl="3"/>
@@ -1203,6 +1202,7 @@
               <a:rPr lang="zh-CN" altLang="en-US"/>
               <a:t>第四级</a:t>
             </a:r>
+            <a:endParaRPr lang="zh-CN" altLang="en-US"/>
           </a:p>
           <a:p>
             <a:pPr lvl="4"/>
@@ -1210,6 +1210,7 @@
               <a:rPr lang="zh-CN" altLang="en-US"/>
               <a:t>第五级</a:t>
             </a:r>
+            <a:endParaRPr lang="zh-CN" altLang="en-US"/>
           </a:p>
         </p:txBody>
       </p:sp>
@@ -1233,7 +1234,6 @@
               <a:rPr lang="zh-CN" altLang="en-US" dirty="0">
                 <a:sym typeface="微软雅黑" panose="020B0503020204020204" pitchFamily="2" charset="-122"/>
               </a:rPr>
-              <a:t>2020/1/15</a:t>
             </a:fld>
             <a:endParaRPr lang="zh-CN" altLang="en-US" dirty="0">
               <a:sym typeface="微软雅黑" panose="020B0503020204020204" pitchFamily="2" charset="-122"/>
@@ -1283,7 +1283,6 @@
               <a:rPr lang="zh-CN" altLang="en-US" dirty="0">
                 <a:sym typeface="微软雅黑" panose="020B0503020204020204" pitchFamily="2" charset="-122"/>
               </a:rPr>
-              <a:t>‹#›</a:t>
             </a:fld>
             <a:endParaRPr lang="zh-CN" altLang="en-US" dirty="0">
               <a:sym typeface="微软雅黑" panose="020B0503020204020204" pitchFamily="2" charset="-122"/>
@@ -1344,6 +1343,7 @@
               <a:rPr lang="zh-CN" altLang="en-US"/>
               <a:t>单击此处编辑母版标题样式</a:t>
             </a:r>
+            <a:endParaRPr lang="zh-CN" altLang="en-US"/>
           </a:p>
         </p:txBody>
       </p:sp>
@@ -1463,6 +1463,7 @@
               <a:rPr lang="zh-CN" altLang="en-US"/>
               <a:t>单击此处编辑母版文本样式</a:t>
             </a:r>
+            <a:endParaRPr lang="zh-CN" altLang="en-US"/>
           </a:p>
         </p:txBody>
       </p:sp>
@@ -1486,7 +1487,6 @@
               <a:rPr lang="zh-CN" altLang="en-US" dirty="0">
                 <a:sym typeface="微软雅黑" panose="020B0503020204020204" pitchFamily="2" charset="-122"/>
               </a:rPr>
-              <a:t>2020/1/15</a:t>
             </a:fld>
             <a:endParaRPr lang="zh-CN" altLang="en-US" dirty="0">
               <a:sym typeface="微软雅黑" panose="020B0503020204020204" pitchFamily="2" charset="-122"/>
@@ -1536,7 +1536,6 @@
               <a:rPr lang="zh-CN" altLang="en-US" dirty="0">
                 <a:sym typeface="微软雅黑" panose="020B0503020204020204" pitchFamily="2" charset="-122"/>
               </a:rPr>
-              <a:t>‹#›</a:t>
             </a:fld>
             <a:endParaRPr lang="zh-CN" altLang="en-US" dirty="0">
               <a:sym typeface="微软雅黑" panose="020B0503020204020204" pitchFamily="2" charset="-122"/>
@@ -1588,6 +1587,7 @@
               <a:rPr lang="zh-CN" altLang="en-US"/>
               <a:t>单击此处编辑母版标题样式</a:t>
             </a:r>
+            <a:endParaRPr lang="zh-CN" altLang="en-US"/>
           </a:p>
         </p:txBody>
       </p:sp>
@@ -1616,6 +1616,7 @@
               <a:rPr lang="zh-CN" altLang="en-US"/>
               <a:t>单击此处编辑母版文本样式</a:t>
             </a:r>
+            <a:endParaRPr lang="zh-CN" altLang="en-US"/>
           </a:p>
           <a:p>
             <a:pPr lvl="1"/>
@@ -1623,6 +1624,7 @@
               <a:rPr lang="zh-CN" altLang="en-US"/>
               <a:t>第二级</a:t>
             </a:r>
+            <a:endParaRPr lang="zh-CN" altLang="en-US"/>
           </a:p>
           <a:p>
             <a:pPr lvl="2"/>
@@ -1630,6 +1632,7 @@
               <a:rPr lang="zh-CN" altLang="en-US"/>
               <a:t>第三级</a:t>
             </a:r>
+            <a:endParaRPr lang="zh-CN" altLang="en-US"/>
           </a:p>
           <a:p>
             <a:pPr lvl="3"/>
@@ -1637,6 +1640,7 @@
               <a:rPr lang="zh-CN" altLang="en-US"/>
               <a:t>第四级</a:t>
             </a:r>
+            <a:endParaRPr lang="zh-CN" altLang="en-US"/>
           </a:p>
           <a:p>
             <a:pPr lvl="4"/>
@@ -1644,6 +1648,7 @@
               <a:rPr lang="zh-CN" altLang="en-US"/>
               <a:t>第五级</a:t>
             </a:r>
+            <a:endParaRPr lang="zh-CN" altLang="en-US"/>
           </a:p>
         </p:txBody>
       </p:sp>
@@ -1672,6 +1677,7 @@
               <a:rPr lang="zh-CN" altLang="en-US"/>
               <a:t>单击此处编辑母版文本样式</a:t>
             </a:r>
+            <a:endParaRPr lang="zh-CN" altLang="en-US"/>
           </a:p>
           <a:p>
             <a:pPr lvl="1"/>
@@ -1679,6 +1685,7 @@
               <a:rPr lang="zh-CN" altLang="en-US"/>
               <a:t>第二级</a:t>
             </a:r>
+            <a:endParaRPr lang="zh-CN" altLang="en-US"/>
           </a:p>
           <a:p>
             <a:pPr lvl="2"/>
@@ -1686,6 +1693,7 @@
               <a:rPr lang="zh-CN" altLang="en-US"/>
               <a:t>第三级</a:t>
             </a:r>
+            <a:endParaRPr lang="zh-CN" altLang="en-US"/>
           </a:p>
           <a:p>
             <a:pPr lvl="3"/>
@@ -1693,6 +1701,7 @@
               <a:rPr lang="zh-CN" altLang="en-US"/>
               <a:t>第四级</a:t>
             </a:r>
+            <a:endParaRPr lang="zh-CN" altLang="en-US"/>
           </a:p>
           <a:p>
             <a:pPr lvl="4"/>
@@ -1700,6 +1709,7 @@
               <a:rPr lang="zh-CN" altLang="en-US"/>
               <a:t>第五级</a:t>
             </a:r>
+            <a:endParaRPr lang="zh-CN" altLang="en-US"/>
           </a:p>
         </p:txBody>
       </p:sp>
@@ -1723,7 +1733,6 @@
               <a:rPr lang="zh-CN" altLang="en-US" dirty="0">
                 <a:sym typeface="微软雅黑" panose="020B0503020204020204" pitchFamily="2" charset="-122"/>
               </a:rPr>
-              <a:t>2020/1/15</a:t>
             </a:fld>
             <a:endParaRPr lang="zh-CN" altLang="en-US" dirty="0">
               <a:sym typeface="微软雅黑" panose="020B0503020204020204" pitchFamily="2" charset="-122"/>
@@ -1773,7 +1782,6 @@
               <a:rPr lang="zh-CN" altLang="en-US" dirty="0">
                 <a:sym typeface="微软雅黑" panose="020B0503020204020204" pitchFamily="2" charset="-122"/>
               </a:rPr>
-              <a:t>‹#›</a:t>
             </a:fld>
             <a:endParaRPr lang="zh-CN" altLang="en-US" dirty="0">
               <a:sym typeface="微软雅黑" panose="020B0503020204020204" pitchFamily="2" charset="-122"/>
@@ -1830,6 +1838,7 @@
               <a:rPr lang="zh-CN" altLang="en-US"/>
               <a:t>单击此处编辑母版标题样式</a:t>
             </a:r>
+            <a:endParaRPr lang="zh-CN" altLang="en-US"/>
           </a:p>
         </p:txBody>
       </p:sp>
@@ -1895,6 +1904,7 @@
               <a:rPr lang="zh-CN" altLang="en-US"/>
               <a:t>单击此处编辑母版文本样式</a:t>
             </a:r>
+            <a:endParaRPr lang="zh-CN" altLang="en-US"/>
           </a:p>
         </p:txBody>
       </p:sp>
@@ -1923,6 +1933,7 @@
               <a:rPr lang="zh-CN" altLang="en-US"/>
               <a:t>单击此处编辑母版文本样式</a:t>
             </a:r>
+            <a:endParaRPr lang="zh-CN" altLang="en-US"/>
           </a:p>
           <a:p>
             <a:pPr lvl="1"/>
@@ -1930,6 +1941,7 @@
               <a:rPr lang="zh-CN" altLang="en-US"/>
               <a:t>第二级</a:t>
             </a:r>
+            <a:endParaRPr lang="zh-CN" altLang="en-US"/>
           </a:p>
           <a:p>
             <a:pPr lvl="2"/>
@@ -1937,6 +1949,7 @@
               <a:rPr lang="zh-CN" altLang="en-US"/>
               <a:t>第三级</a:t>
             </a:r>
+            <a:endParaRPr lang="zh-CN" altLang="en-US"/>
           </a:p>
           <a:p>
             <a:pPr lvl="3"/>
@@ -1944,6 +1957,7 @@
               <a:rPr lang="zh-CN" altLang="en-US"/>
               <a:t>第四级</a:t>
             </a:r>
+            <a:endParaRPr lang="zh-CN" altLang="en-US"/>
           </a:p>
           <a:p>
             <a:pPr lvl="4"/>
@@ -1951,6 +1965,7 @@
               <a:rPr lang="zh-CN" altLang="en-US"/>
               <a:t>第五级</a:t>
             </a:r>
+            <a:endParaRPr lang="zh-CN" altLang="en-US"/>
           </a:p>
         </p:txBody>
       </p:sp>
@@ -2016,6 +2031,7 @@
               <a:rPr lang="zh-CN" altLang="en-US"/>
               <a:t>单击此处编辑母版文本样式</a:t>
             </a:r>
+            <a:endParaRPr lang="zh-CN" altLang="en-US"/>
           </a:p>
         </p:txBody>
       </p:sp>
@@ -2044,6 +2060,7 @@
               <a:rPr lang="zh-CN" altLang="en-US"/>
               <a:t>单击此处编辑母版文本样式</a:t>
             </a:r>
+            <a:endParaRPr lang="zh-CN" altLang="en-US"/>
           </a:p>
           <a:p>
             <a:pPr lvl="1"/>
@@ -2051,6 +2068,7 @@
               <a:rPr lang="zh-CN" altLang="en-US"/>
               <a:t>第二级</a:t>
             </a:r>
+            <a:endParaRPr lang="zh-CN" altLang="en-US"/>
           </a:p>
           <a:p>
             <a:pPr lvl="2"/>
@@ -2058,6 +2076,7 @@
               <a:rPr lang="zh-CN" altLang="en-US"/>
               <a:t>第三级</a:t>
             </a:r>
+            <a:endParaRPr lang="zh-CN" altLang="en-US"/>
           </a:p>
           <a:p>
             <a:pPr lvl="3"/>
@@ -2065,6 +2084,7 @@
               <a:rPr lang="zh-CN" altLang="en-US"/>
               <a:t>第四级</a:t>
             </a:r>
+            <a:endParaRPr lang="zh-CN" altLang="en-US"/>
           </a:p>
           <a:p>
             <a:pPr lvl="4"/>
@@ -2072,6 +2092,7 @@
               <a:rPr lang="zh-CN" altLang="en-US"/>
               <a:t>第五级</a:t>
             </a:r>
+            <a:endParaRPr lang="zh-CN" altLang="en-US"/>
           </a:p>
         </p:txBody>
       </p:sp>
@@ -2095,7 +2116,6 @@
               <a:rPr lang="zh-CN" altLang="en-US" dirty="0">
                 <a:sym typeface="微软雅黑" panose="020B0503020204020204" pitchFamily="2" charset="-122"/>
               </a:rPr>
-              <a:t>2020/1/15</a:t>
             </a:fld>
             <a:endParaRPr lang="zh-CN" altLang="en-US" dirty="0">
               <a:sym typeface="微软雅黑" panose="020B0503020204020204" pitchFamily="2" charset="-122"/>
@@ -2145,7 +2165,6 @@
               <a:rPr lang="zh-CN" altLang="en-US" dirty="0">
                 <a:sym typeface="微软雅黑" panose="020B0503020204020204" pitchFamily="2" charset="-122"/>
               </a:rPr>
-              <a:t>‹#›</a:t>
             </a:fld>
             <a:endParaRPr lang="zh-CN" altLang="en-US" dirty="0">
               <a:sym typeface="微软雅黑" panose="020B0503020204020204" pitchFamily="2" charset="-122"/>
@@ -2197,6 +2216,7 @@
               <a:rPr lang="zh-CN" altLang="en-US"/>
               <a:t>单击此处编辑母版标题样式</a:t>
             </a:r>
+            <a:endParaRPr lang="zh-CN" altLang="en-US"/>
           </a:p>
         </p:txBody>
       </p:sp>
@@ -2220,7 +2240,6 @@
               <a:rPr lang="zh-CN" altLang="en-US" dirty="0">
                 <a:sym typeface="微软雅黑" panose="020B0503020204020204" pitchFamily="2" charset="-122"/>
               </a:rPr>
-              <a:t>2020/1/15</a:t>
             </a:fld>
             <a:endParaRPr lang="zh-CN" altLang="en-US" dirty="0">
               <a:sym typeface="微软雅黑" panose="020B0503020204020204" pitchFamily="2" charset="-122"/>
@@ -2270,7 +2289,6 @@
               <a:rPr lang="zh-CN" altLang="en-US" dirty="0">
                 <a:sym typeface="微软雅黑" panose="020B0503020204020204" pitchFamily="2" charset="-122"/>
               </a:rPr>
-              <a:t>‹#›</a:t>
             </a:fld>
             <a:endParaRPr lang="zh-CN" altLang="en-US" dirty="0">
               <a:sym typeface="微软雅黑" panose="020B0503020204020204" pitchFamily="2" charset="-122"/>
@@ -2323,7 +2341,6 @@
               <a:rPr lang="zh-CN" altLang="en-US" dirty="0">
                 <a:sym typeface="微软雅黑" panose="020B0503020204020204" pitchFamily="2" charset="-122"/>
               </a:rPr>
-              <a:t>2020/1/15</a:t>
             </a:fld>
             <a:endParaRPr lang="zh-CN" altLang="en-US" dirty="0">
               <a:sym typeface="微软雅黑" panose="020B0503020204020204" pitchFamily="2" charset="-122"/>
@@ -2373,7 +2390,6 @@
               <a:rPr lang="zh-CN" altLang="en-US" dirty="0">
                 <a:sym typeface="微软雅黑" panose="020B0503020204020204" pitchFamily="2" charset="-122"/>
               </a:rPr>
-              <a:t>‹#›</a:t>
             </a:fld>
             <a:endParaRPr lang="zh-CN" altLang="en-US" dirty="0">
               <a:sym typeface="微软雅黑" panose="020B0503020204020204" pitchFamily="2" charset="-122"/>
@@ -2434,6 +2450,7 @@
               <a:rPr lang="zh-CN" altLang="en-US"/>
               <a:t>单击此处编辑母版标题样式</a:t>
             </a:r>
+            <a:endParaRPr lang="zh-CN" altLang="en-US"/>
           </a:p>
         </p:txBody>
       </p:sp>
@@ -2490,6 +2507,7 @@
               <a:rPr lang="zh-CN" altLang="en-US"/>
               <a:t>单击此处编辑母版文本样式</a:t>
             </a:r>
+            <a:endParaRPr lang="zh-CN" altLang="en-US"/>
           </a:p>
           <a:p>
             <a:pPr lvl="1"/>
@@ -2497,6 +2515,7 @@
               <a:rPr lang="zh-CN" altLang="en-US"/>
               <a:t>第二级</a:t>
             </a:r>
+            <a:endParaRPr lang="zh-CN" altLang="en-US"/>
           </a:p>
           <a:p>
             <a:pPr lvl="2"/>
@@ -2504,6 +2523,7 @@
               <a:rPr lang="zh-CN" altLang="en-US"/>
               <a:t>第三级</a:t>
             </a:r>
+            <a:endParaRPr lang="zh-CN" altLang="en-US"/>
           </a:p>
           <a:p>
             <a:pPr lvl="3"/>
@@ -2511,6 +2531,7 @@
               <a:rPr lang="zh-CN" altLang="en-US"/>
               <a:t>第四级</a:t>
             </a:r>
+            <a:endParaRPr lang="zh-CN" altLang="en-US"/>
           </a:p>
           <a:p>
             <a:pPr lvl="4"/>
@@ -2518,6 +2539,7 @@
               <a:rPr lang="zh-CN" altLang="en-US"/>
               <a:t>第五级</a:t>
             </a:r>
+            <a:endParaRPr lang="zh-CN" altLang="en-US"/>
           </a:p>
         </p:txBody>
       </p:sp>
@@ -2583,6 +2605,7 @@
               <a:rPr lang="zh-CN" altLang="en-US"/>
               <a:t>单击此处编辑母版文本样式</a:t>
             </a:r>
+            <a:endParaRPr lang="zh-CN" altLang="en-US"/>
           </a:p>
         </p:txBody>
       </p:sp>
@@ -2606,7 +2629,6 @@
               <a:rPr lang="zh-CN" altLang="en-US" dirty="0">
                 <a:sym typeface="微软雅黑" panose="020B0503020204020204" pitchFamily="2" charset="-122"/>
               </a:rPr>
-              <a:t>2020/1/15</a:t>
             </a:fld>
             <a:endParaRPr lang="zh-CN" altLang="en-US" dirty="0">
               <a:sym typeface="微软雅黑" panose="020B0503020204020204" pitchFamily="2" charset="-122"/>
@@ -2656,7 +2678,6 @@
               <a:rPr lang="zh-CN" altLang="en-US" dirty="0">
                 <a:sym typeface="微软雅黑" panose="020B0503020204020204" pitchFamily="2" charset="-122"/>
               </a:rPr>
-              <a:t>‹#›</a:t>
             </a:fld>
             <a:endParaRPr lang="zh-CN" altLang="en-US" dirty="0">
               <a:sym typeface="微软雅黑" panose="020B0503020204020204" pitchFamily="2" charset="-122"/>
@@ -2717,6 +2738,7 @@
               <a:rPr lang="zh-CN" altLang="en-US"/>
               <a:t>单击此处编辑母版标题样式</a:t>
             </a:r>
+            <a:endParaRPr lang="zh-CN" altLang="en-US"/>
           </a:p>
         </p:txBody>
       </p:sp>
@@ -2843,6 +2865,7 @@
               <a:rPr lang="zh-CN" altLang="en-US"/>
               <a:t>单击此处编辑母版文本样式</a:t>
             </a:r>
+            <a:endParaRPr lang="zh-CN" altLang="en-US"/>
           </a:p>
         </p:txBody>
       </p:sp>
@@ -2866,7 +2889,6 @@
               <a:rPr lang="zh-CN" altLang="en-US" dirty="0">
                 <a:sym typeface="微软雅黑" panose="020B0503020204020204" pitchFamily="2" charset="-122"/>
               </a:rPr>
-              <a:t>2020/1/15</a:t>
             </a:fld>
             <a:endParaRPr lang="zh-CN" altLang="en-US" dirty="0">
               <a:sym typeface="微软雅黑" panose="020B0503020204020204" pitchFamily="2" charset="-122"/>
@@ -2916,7 +2938,6 @@
               <a:rPr lang="zh-CN" altLang="en-US" dirty="0">
                 <a:sym typeface="微软雅黑" panose="020B0503020204020204" pitchFamily="2" charset="-122"/>
               </a:rPr>
-              <a:t>‹#›</a:t>
             </a:fld>
             <a:endParaRPr lang="zh-CN" altLang="en-US" dirty="0">
               <a:sym typeface="微软雅黑" panose="020B0503020204020204" pitchFamily="2" charset="-122"/>
@@ -2993,6 +3014,7 @@
               <a:rPr lang="zh-CN" altLang="en-US"/>
               <a:t>单击此处编辑母版标题样式</a:t>
             </a:r>
+            <a:endParaRPr lang="zh-CN" altLang="en-US"/>
           </a:p>
         </p:txBody>
       </p:sp>
@@ -3030,6 +3052,7 @@
               <a:rPr lang="zh-CN" altLang="en-US"/>
               <a:t>单击此处编辑母版文本样式</a:t>
             </a:r>
+            <a:endParaRPr lang="zh-CN" altLang="en-US"/>
           </a:p>
           <a:p>
             <a:pPr lvl="1"/>
@@ -3037,6 +3060,7 @@
               <a:rPr lang="zh-CN" altLang="en-US"/>
               <a:t>第二级</a:t>
             </a:r>
+            <a:endParaRPr lang="zh-CN" altLang="en-US"/>
           </a:p>
           <a:p>
             <a:pPr lvl="2"/>
@@ -3044,6 +3068,7 @@
               <a:rPr lang="zh-CN" altLang="en-US"/>
               <a:t>第三级</a:t>
             </a:r>
+            <a:endParaRPr lang="zh-CN" altLang="en-US"/>
           </a:p>
           <a:p>
             <a:pPr lvl="3"/>
@@ -3051,6 +3076,7 @@
               <a:rPr lang="zh-CN" altLang="en-US"/>
               <a:t>第四级</a:t>
             </a:r>
+            <a:endParaRPr lang="zh-CN" altLang="en-US"/>
           </a:p>
           <a:p>
             <a:pPr lvl="4"/>
@@ -3058,6 +3084,7 @@
               <a:rPr lang="zh-CN" altLang="en-US"/>
               <a:t>第五级</a:t>
             </a:r>
+            <a:endParaRPr lang="zh-CN" altLang="en-US"/>
           </a:p>
         </p:txBody>
       </p:sp>
@@ -3103,7 +3130,6 @@
               <a:rPr lang="zh-CN" altLang="en-US" dirty="0">
                 <a:sym typeface="微软雅黑" panose="020B0503020204020204" pitchFamily="2" charset="-122"/>
               </a:rPr>
-              <a:t>2020/1/15</a:t>
             </a:fld>
             <a:endParaRPr lang="zh-CN" altLang="en-US" dirty="0">
               <a:sym typeface="微软雅黑" panose="020B0503020204020204" pitchFamily="2" charset="-122"/>
@@ -3197,7 +3223,6 @@
               <a:rPr lang="zh-CN" altLang="en-US" dirty="0">
                 <a:sym typeface="微软雅黑" panose="020B0503020204020204" pitchFamily="2" charset="-122"/>
               </a:rPr>
-              <a:t>‹#›</a:t>
             </a:fld>
             <a:endParaRPr lang="zh-CN" altLang="en-US" dirty="0">
               <a:sym typeface="微软雅黑" panose="020B0503020204020204" pitchFamily="2" charset="-122"/>
@@ -3635,7 +3660,7 @@
             <p:cNvSpPr/>
             <p:nvPr>
               <p:custDataLst>
-                <p:tags r:id="rId3"/>
+                <p:tags r:id="rId2"/>
               </p:custDataLst>
             </p:nvPr>
           </p:nvSpPr>
@@ -3695,7 +3720,7 @@
             <p:cNvSpPr/>
             <p:nvPr>
               <p:custDataLst>
-                <p:tags r:id="rId4"/>
+                <p:tags r:id="rId3"/>
               </p:custDataLst>
             </p:nvPr>
           </p:nvSpPr>
@@ -3885,6 +3910,28 @@
               </a:rPr>
               <a:t>课程</a:t>
             </a:r>
+            <a:endParaRPr lang="zh-CN" altLang="en-US" sz="2800" b="1" dirty="0">
+              <a:ln w="10160">
+                <a:solidFill>
+                  <a:srgbClr val="FFC000"/>
+                </a:solidFill>
+                <a:prstDash val="solid"/>
+              </a:ln>
+              <a:solidFill>
+                <a:srgbClr val="FFFFFF"/>
+              </a:solidFill>
+              <a:effectLst>
+                <a:outerShdw blurRad="38100" dist="22860" dir="5400000" algn="tl" rotWithShape="0">
+                  <a:srgbClr val="000000">
+                    <a:alpha val="30000"/>
+                  </a:srgbClr>
+                </a:outerShdw>
+              </a:effectLst>
+              <a:latin typeface="+mj-lt"/>
+              <a:ea typeface="+mj-lt"/>
+              <a:cs typeface="+mj-lt"/>
+              <a:sym typeface="+mn-ea"/>
+            </a:endParaRPr>
           </a:p>
         </p:txBody>
       </p:sp>
@@ -3983,7 +4030,7 @@
           <p:cNvSpPr txBox="1"/>
           <p:nvPr>
             <p:custDataLst>
-              <p:tags r:id="rId2"/>
+              <p:tags r:id="rId4"/>
             </p:custDataLst>
           </p:nvPr>
         </p:nvSpPr>
@@ -4382,7 +4429,7 @@
           <p:nvPr/>
         </p:nvPicPr>
         <p:blipFill>
-          <a:blip r:embed="rId6"/>
+          <a:blip r:embed="rId5"/>
           <a:stretch>
             <a:fillRect/>
           </a:stretch>
@@ -4578,13 +4625,7 @@
       </p:sp>
       <p:sp>
         <p:nvSpPr>
-          <p:cNvPr id="2" name="文本框 1">
-            <a:extLst>
-              <a:ext uri="{FF2B5EF4-FFF2-40B4-BE49-F238E27FC236}">
-                <a16:creationId xmlns:a16="http://schemas.microsoft.com/office/drawing/2014/main" id="{16B512D6-5C02-4FFA-BD5E-8D82BFAB8AA1}"/>
-              </a:ext>
-            </a:extLst>
-          </p:cNvPr>
+          <p:cNvPr id="2" name="文本框 1"/>
           <p:cNvSpPr txBox="1"/>
           <p:nvPr/>
         </p:nvSpPr>
@@ -4676,20 +4717,14 @@
       </p:sp>
       <p:pic>
         <p:nvPicPr>
-          <p:cNvPr id="7" name="图片 6">
-            <a:extLst>
-              <a:ext uri="{FF2B5EF4-FFF2-40B4-BE49-F238E27FC236}">
-                <a16:creationId xmlns:a16="http://schemas.microsoft.com/office/drawing/2014/main" id="{00000000-0008-0000-0100-000002000000}"/>
-              </a:ext>
-            </a:extLst>
-          </p:cNvPr>
+          <p:cNvPr id="7" name="图片 6"/>
           <p:cNvPicPr>
             <a:picLocks noChangeAspect="1"/>
           </p:cNvPicPr>
           <p:nvPr/>
         </p:nvPicPr>
         <p:blipFill>
-          <a:blip r:embed="rId2" r:link="rId3"/>
+          <a:blip r:embed="rId1" r:link="rId2"/>
           <a:stretch>
             <a:fillRect/>
           </a:stretch>
@@ -4709,11 +4744,6 @@
         </p:spPr>
       </p:pic>
     </p:spTree>
-    <p:extLst>
-      <p:ext uri="{BB962C8B-B14F-4D97-AF65-F5344CB8AC3E}">
-        <p14:creationId xmlns:p14="http://schemas.microsoft.com/office/powerpoint/2010/main" val="630389110"/>
-      </p:ext>
-    </p:extLst>
   </p:cSld>
   <p:clrMapOvr>
     <a:masterClrMapping/>
@@ -4872,13 +4902,7 @@
       </p:sp>
       <p:sp>
         <p:nvSpPr>
-          <p:cNvPr id="2" name="文本框 1">
-            <a:extLst>
-              <a:ext uri="{FF2B5EF4-FFF2-40B4-BE49-F238E27FC236}">
-                <a16:creationId xmlns:a16="http://schemas.microsoft.com/office/drawing/2014/main" id="{16B512D6-5C02-4FFA-BD5E-8D82BFAB8AA1}"/>
-              </a:ext>
-            </a:extLst>
-          </p:cNvPr>
+          <p:cNvPr id="2" name="文本框 1"/>
           <p:cNvSpPr txBox="1"/>
           <p:nvPr/>
         </p:nvSpPr>
@@ -4939,6 +4963,7 @@
               <a:rPr lang="en-US" altLang="zh-CN" dirty="0"/>
               <a:t>Authentication/ Authorization</a:t>
             </a:r>
+            <a:endParaRPr lang="en-US" altLang="zh-CN" dirty="0"/>
           </a:p>
           <a:p>
             <a:endParaRPr lang="en-US" altLang="zh-CN" dirty="0"/>
@@ -4948,18 +4973,21 @@
               <a:rPr lang="en-US" altLang="zh-CN" dirty="0"/>
               <a:t>Gateway:</a:t>
             </a:r>
+            <a:endParaRPr lang="en-US" altLang="zh-CN" dirty="0"/>
           </a:p>
           <a:p>
             <a:r>
               <a:rPr lang="zh-CN" altLang="zh-CN" dirty="0"/>
               <a:t>提供统一服务入口，让微服务对前台透明</a:t>
             </a:r>
+            <a:endParaRPr lang="zh-CN" altLang="zh-CN" dirty="0"/>
           </a:p>
           <a:p>
             <a:r>
               <a:rPr lang="zh-CN" altLang="zh-CN" dirty="0"/>
               <a:t>聚合后台的服务，节省流量，提升性能</a:t>
             </a:r>
+            <a:endParaRPr lang="zh-CN" altLang="zh-CN" dirty="0"/>
           </a:p>
           <a:p>
             <a:r>
@@ -4980,20 +5008,14 @@
       </p:sp>
       <p:pic>
         <p:nvPicPr>
-          <p:cNvPr id="3" name="图片 2">
-            <a:extLst>
-              <a:ext uri="{FF2B5EF4-FFF2-40B4-BE49-F238E27FC236}">
-                <a16:creationId xmlns:a16="http://schemas.microsoft.com/office/drawing/2014/main" id="{A55777E3-80BA-4301-A0F1-9A2D9DC46BBD}"/>
-              </a:ext>
-            </a:extLst>
-          </p:cNvPr>
+          <p:cNvPr id="3" name="图片 2"/>
           <p:cNvPicPr>
             <a:picLocks noChangeAspect="1"/>
           </p:cNvPicPr>
           <p:nvPr/>
         </p:nvPicPr>
         <p:blipFill>
-          <a:blip r:embed="rId2"/>
+          <a:blip r:embed="rId1"/>
           <a:stretch>
             <a:fillRect/>
           </a:stretch>
@@ -5009,11 +5031,6 @@
         </p:spPr>
       </p:pic>
     </p:spTree>
-    <p:extLst>
-      <p:ext uri="{BB962C8B-B14F-4D97-AF65-F5344CB8AC3E}">
-        <p14:creationId xmlns:p14="http://schemas.microsoft.com/office/powerpoint/2010/main" val="298158225"/>
-      </p:ext>
-    </p:extLst>
   </p:cSld>
   <p:clrMapOvr>
     <a:masterClrMapping/>
@@ -5065,7 +5082,7 @@
             <p:cNvSpPr/>
             <p:nvPr>
               <p:custDataLst>
-                <p:tags r:id="rId3"/>
+                <p:tags r:id="rId2"/>
               </p:custDataLst>
             </p:nvPr>
           </p:nvSpPr>
@@ -5125,7 +5142,7 @@
             <p:cNvSpPr/>
             <p:nvPr>
               <p:custDataLst>
-                <p:tags r:id="rId4"/>
+                <p:tags r:id="rId3"/>
               </p:custDataLst>
             </p:nvPr>
           </p:nvSpPr>
@@ -5315,6 +5332,28 @@
               </a:rPr>
               <a:t>课程</a:t>
             </a:r>
+            <a:endParaRPr lang="zh-CN" altLang="en-US" sz="2800" b="1" dirty="0">
+              <a:ln w="10160">
+                <a:solidFill>
+                  <a:srgbClr val="FFC000"/>
+                </a:solidFill>
+                <a:prstDash val="solid"/>
+              </a:ln>
+              <a:solidFill>
+                <a:srgbClr val="FFFFFF"/>
+              </a:solidFill>
+              <a:effectLst>
+                <a:outerShdw blurRad="38100" dist="22860" dir="5400000" algn="tl" rotWithShape="0">
+                  <a:srgbClr val="000000">
+                    <a:alpha val="30000"/>
+                  </a:srgbClr>
+                </a:outerShdw>
+              </a:effectLst>
+              <a:latin typeface="+mj-lt"/>
+              <a:ea typeface="+mj-lt"/>
+              <a:cs typeface="+mj-lt"/>
+              <a:sym typeface="+mn-ea"/>
+            </a:endParaRPr>
           </a:p>
         </p:txBody>
       </p:sp>
@@ -5413,7 +5452,7 @@
           <p:cNvSpPr txBox="1"/>
           <p:nvPr>
             <p:custDataLst>
-              <p:tags r:id="rId2"/>
+              <p:tags r:id="rId4"/>
             </p:custDataLst>
           </p:nvPr>
         </p:nvSpPr>
@@ -5868,7 +5907,7 @@
           <p:nvPr/>
         </p:nvPicPr>
         <p:blipFill>
-          <a:blip r:embed="rId6"/>
+          <a:blip r:embed="rId5"/>
           <a:stretch>
             <a:fillRect/>
           </a:stretch>
@@ -5884,11 +5923,6 @@
         </p:spPr>
       </p:pic>
     </p:spTree>
-    <p:extLst>
-      <p:ext uri="{BB962C8B-B14F-4D97-AF65-F5344CB8AC3E}">
-        <p14:creationId xmlns:p14="http://schemas.microsoft.com/office/powerpoint/2010/main" val="3314759179"/>
-      </p:ext>
-    </p:extLst>
   </p:cSld>
   <p:clrMapOvr>
     <a:masterClrMapping/>
@@ -6043,13 +6077,7 @@
       </p:sp>
       <p:sp>
         <p:nvSpPr>
-          <p:cNvPr id="5" name="文本框 4">
-            <a:extLst>
-              <a:ext uri="{FF2B5EF4-FFF2-40B4-BE49-F238E27FC236}">
-                <a16:creationId xmlns:a16="http://schemas.microsoft.com/office/drawing/2014/main" id="{1E90782B-487B-4A54-9592-BC6F6C647B58}"/>
-              </a:ext>
-            </a:extLst>
-          </p:cNvPr>
+          <p:cNvPr id="5" name="文本框 4"/>
           <p:cNvSpPr txBox="1"/>
           <p:nvPr/>
         </p:nvSpPr>
@@ -6182,11 +6210,6 @@
         </p:txBody>
       </p:sp>
     </p:spTree>
-    <p:extLst>
-      <p:ext uri="{BB962C8B-B14F-4D97-AF65-F5344CB8AC3E}">
-        <p14:creationId xmlns:p14="http://schemas.microsoft.com/office/powerpoint/2010/main" val="895646461"/>
-      </p:ext>
-    </p:extLst>
   </p:cSld>
   <p:clrMapOvr>
     <a:masterClrMapping/>
@@ -6319,13 +6342,7 @@
       </p:sp>
       <p:sp>
         <p:nvSpPr>
-          <p:cNvPr id="5" name="文本框 4">
-            <a:extLst>
-              <a:ext uri="{FF2B5EF4-FFF2-40B4-BE49-F238E27FC236}">
-                <a16:creationId xmlns:a16="http://schemas.microsoft.com/office/drawing/2014/main" id="{1E90782B-487B-4A54-9592-BC6F6C647B58}"/>
-              </a:ext>
-            </a:extLst>
-          </p:cNvPr>
+          <p:cNvPr id="5" name="文本框 4"/>
           <p:cNvSpPr txBox="1"/>
           <p:nvPr/>
         </p:nvSpPr>
@@ -6368,6 +6385,7 @@
               <a:rPr lang="en-US" altLang="zh-CN" dirty="0"/>
               <a:t>="127.0.0.1" --port=5726</a:t>
             </a:r>
+            <a:endParaRPr lang="en-US" altLang="zh-CN" dirty="0"/>
           </a:p>
           <a:p>
             <a:endParaRPr lang="en-US" altLang="zh-CN" dirty="0"/>
@@ -6427,15 +6445,11 @@
               <a:rPr lang="en-US" altLang="zh-CN" dirty="0"/>
               <a:t>   3.1</a:t>
             </a:r>
+            <a:endParaRPr lang="en-US" altLang="zh-CN" dirty="0"/>
           </a:p>
         </p:txBody>
       </p:sp>
     </p:spTree>
-    <p:extLst>
-      <p:ext uri="{BB962C8B-B14F-4D97-AF65-F5344CB8AC3E}">
-        <p14:creationId xmlns:p14="http://schemas.microsoft.com/office/powerpoint/2010/main" val="3071449117"/>
-      </p:ext>
-    </p:extLst>
   </p:cSld>
   <p:clrMapOvr>
     <a:masterClrMapping/>
@@ -6568,13 +6582,7 @@
       </p:sp>
       <p:sp>
         <p:nvSpPr>
-          <p:cNvPr id="5" name="文本框 4">
-            <a:extLst>
-              <a:ext uri="{FF2B5EF4-FFF2-40B4-BE49-F238E27FC236}">
-                <a16:creationId xmlns:a16="http://schemas.microsoft.com/office/drawing/2014/main" id="{1E90782B-487B-4A54-9592-BC6F6C647B58}"/>
-              </a:ext>
-            </a:extLst>
-          </p:cNvPr>
+          <p:cNvPr id="5" name="文本框 4"/>
           <p:cNvSpPr txBox="1"/>
           <p:nvPr/>
         </p:nvSpPr>
@@ -6602,6 +6610,7 @@
               <a:rPr lang="en-US" altLang="zh-CN" dirty="0"/>
               <a:t>—</a:t>
             </a:r>
+            <a:endParaRPr lang="en-US" altLang="zh-CN" dirty="0"/>
           </a:p>
           <a:p>
             <a:r>
@@ -6624,6 +6633,7 @@
               <a:rPr lang="en-US" altLang="zh-CN" dirty="0"/>
               <a:t>="127.0.0.1" --port=5726</a:t>
             </a:r>
+            <a:endParaRPr lang="en-US" altLang="zh-CN" dirty="0"/>
           </a:p>
           <a:p>
             <a:endParaRPr lang="en-US" altLang="zh-CN" dirty="0"/>
@@ -6649,6 +6659,7 @@
               <a:rPr lang="en-US" altLang="zh-CN" dirty="0"/>
               <a:t>="127.0.0.1" --port=5727</a:t>
             </a:r>
+            <a:endParaRPr lang="en-US" altLang="zh-CN" dirty="0"/>
           </a:p>
           <a:p>
             <a:endParaRPr lang="en-US" altLang="zh-CN" dirty="0"/>
@@ -6688,6 +6699,7 @@
               <a:rPr lang="en-US" altLang="zh-CN" dirty="0"/>
               <a:t>---</a:t>
             </a:r>
+            <a:endParaRPr lang="en-US" altLang="zh-CN" dirty="0"/>
           </a:p>
           <a:p>
             <a:endParaRPr lang="en-US" altLang="zh-CN" dirty="0"/>
@@ -6702,11 +6714,6 @@
         </p:txBody>
       </p:sp>
     </p:spTree>
-    <p:extLst>
-      <p:ext uri="{BB962C8B-B14F-4D97-AF65-F5344CB8AC3E}">
-        <p14:creationId xmlns:p14="http://schemas.microsoft.com/office/powerpoint/2010/main" val="2069356456"/>
-      </p:ext>
-    </p:extLst>
   </p:cSld>
   <p:clrMapOvr>
     <a:masterClrMapping/>
@@ -6854,13 +6861,7 @@
       </p:sp>
       <p:sp>
         <p:nvSpPr>
-          <p:cNvPr id="2" name="文本框 1">
-            <a:extLst>
-              <a:ext uri="{FF2B5EF4-FFF2-40B4-BE49-F238E27FC236}">
-                <a16:creationId xmlns:a16="http://schemas.microsoft.com/office/drawing/2014/main" id="{16B512D6-5C02-4FFA-BD5E-8D82BFAB8AA1}"/>
-              </a:ext>
-            </a:extLst>
-          </p:cNvPr>
+          <p:cNvPr id="2" name="文本框 1"/>
           <p:cNvSpPr txBox="1"/>
           <p:nvPr/>
         </p:nvSpPr>
@@ -6912,20 +6913,14 @@
       </p:sp>
       <p:pic>
         <p:nvPicPr>
-          <p:cNvPr id="7" name="图片 6" descr="IMG_256">
-            <a:extLst>
-              <a:ext uri="{FF2B5EF4-FFF2-40B4-BE49-F238E27FC236}">
-                <a16:creationId xmlns:a16="http://schemas.microsoft.com/office/drawing/2014/main" id="{00000000-0008-0000-0200-000002000000}"/>
-              </a:ext>
-            </a:extLst>
-          </p:cNvPr>
+          <p:cNvPr id="7" name="图片 6" descr="IMG_256"/>
           <p:cNvPicPr>
             <a:picLocks noChangeAspect="1"/>
           </p:cNvPicPr>
           <p:nvPr/>
         </p:nvPicPr>
         <p:blipFill>
-          <a:blip r:embed="rId2"/>
+          <a:blip r:embed="rId1"/>
           <a:stretch>
             <a:fillRect/>
           </a:stretch>
@@ -6945,11 +6940,6 @@
         </p:spPr>
       </p:pic>
     </p:spTree>
-    <p:extLst>
-      <p:ext uri="{BB962C8B-B14F-4D97-AF65-F5344CB8AC3E}">
-        <p14:creationId xmlns:p14="http://schemas.microsoft.com/office/powerpoint/2010/main" val="1796337564"/>
-      </p:ext>
-    </p:extLst>
   </p:cSld>
   <p:clrMapOvr>
     <a:masterClrMapping/>
@@ -7097,13 +7087,7 @@
       </p:sp>
       <p:sp>
         <p:nvSpPr>
-          <p:cNvPr id="2" name="文本框 1">
-            <a:extLst>
-              <a:ext uri="{FF2B5EF4-FFF2-40B4-BE49-F238E27FC236}">
-                <a16:creationId xmlns:a16="http://schemas.microsoft.com/office/drawing/2014/main" id="{16B512D6-5C02-4FFA-BD5E-8D82BFAB8AA1}"/>
-              </a:ext>
-            </a:extLst>
-          </p:cNvPr>
+          <p:cNvPr id="2" name="文本框 1"/>
           <p:cNvSpPr txBox="1"/>
           <p:nvPr/>
         </p:nvSpPr>
@@ -7143,6 +7127,7 @@
               <a:rPr lang="en-US" altLang="zh-CN" dirty="0"/>
               <a:t>)</a:t>
             </a:r>
+            <a:endParaRPr lang="en-US" altLang="zh-CN" dirty="0"/>
           </a:p>
           <a:p>
             <a:pPr marL="342900" indent="-342900">
@@ -7170,20 +7155,14 @@
       </p:sp>
       <p:pic>
         <p:nvPicPr>
-          <p:cNvPr id="3" name="图片 2">
-            <a:extLst>
-              <a:ext uri="{FF2B5EF4-FFF2-40B4-BE49-F238E27FC236}">
-                <a16:creationId xmlns:a16="http://schemas.microsoft.com/office/drawing/2014/main" id="{1BDBB679-625D-4BA4-8097-C8B0A07B98D1}"/>
-              </a:ext>
-            </a:extLst>
-          </p:cNvPr>
+          <p:cNvPr id="3" name="图片 2"/>
           <p:cNvPicPr>
             <a:picLocks noChangeAspect="1"/>
           </p:cNvPicPr>
           <p:nvPr/>
         </p:nvPicPr>
         <p:blipFill>
-          <a:blip r:embed="rId2"/>
+          <a:blip r:embed="rId1"/>
           <a:stretch>
             <a:fillRect/>
           </a:stretch>
@@ -7199,11 +7178,6 @@
         </p:spPr>
       </p:pic>
     </p:spTree>
-    <p:extLst>
-      <p:ext uri="{BB962C8B-B14F-4D97-AF65-F5344CB8AC3E}">
-        <p14:creationId xmlns:p14="http://schemas.microsoft.com/office/powerpoint/2010/main" val="4209587449"/>
-      </p:ext>
-    </p:extLst>
   </p:cSld>
   <p:clrMapOvr>
     <a:masterClrMapping/>
@@ -7373,20 +7347,14 @@
       </p:sp>
       <p:pic>
         <p:nvPicPr>
-          <p:cNvPr id="3" name="图片 2">
-            <a:extLst>
-              <a:ext uri="{FF2B5EF4-FFF2-40B4-BE49-F238E27FC236}">
-                <a16:creationId xmlns:a16="http://schemas.microsoft.com/office/drawing/2014/main" id="{09A27550-915B-4DCE-8376-E166176128A5}"/>
-              </a:ext>
-            </a:extLst>
-          </p:cNvPr>
+          <p:cNvPr id="3" name="图片 2"/>
           <p:cNvPicPr>
             <a:picLocks noChangeAspect="1"/>
           </p:cNvPicPr>
           <p:nvPr/>
         </p:nvPicPr>
         <p:blipFill>
-          <a:blip r:embed="rId2"/>
+          <a:blip r:embed="rId1"/>
           <a:stretch>
             <a:fillRect/>
           </a:stretch>
@@ -7402,11 +7370,6 @@
         </p:spPr>
       </p:pic>
     </p:spTree>
-    <p:extLst>
-      <p:ext uri="{BB962C8B-B14F-4D97-AF65-F5344CB8AC3E}">
-        <p14:creationId xmlns:p14="http://schemas.microsoft.com/office/powerpoint/2010/main" val="605826022"/>
-      </p:ext>
-    </p:extLst>
   </p:cSld>
   <p:clrMapOvr>
     <a:masterClrMapping/>
@@ -7528,13 +7491,7 @@
       </p:sp>
       <p:sp>
         <p:nvSpPr>
-          <p:cNvPr id="5" name="文本框 4">
-            <a:extLst>
-              <a:ext uri="{FF2B5EF4-FFF2-40B4-BE49-F238E27FC236}">
-                <a16:creationId xmlns:a16="http://schemas.microsoft.com/office/drawing/2014/main" id="{1E90782B-487B-4A54-9592-BC6F6C647B58}"/>
-              </a:ext>
-            </a:extLst>
-          </p:cNvPr>
+          <p:cNvPr id="5" name="文本框 4"/>
           <p:cNvSpPr txBox="1"/>
           <p:nvPr/>
         </p:nvSpPr>
@@ -7556,53 +7513,55 @@
           <a:p>
             <a:r>
               <a:rPr lang="en-US" altLang="zh-CN" u="sng" dirty="0">
+                <a:hlinkClick r:id="rId1"/>
+              </a:rPr>
+              <a:t>https://www.consul.io/</a:t>
+            </a:r>
+            <a:r>
+              <a:rPr lang="en-US" altLang="zh-CN" dirty="0"/>
+              <a:t>   </a:t>
+            </a:r>
+            <a:r>
+              <a:rPr lang="zh-CN" altLang="zh-CN" dirty="0"/>
+              <a:t>官网</a:t>
+            </a:r>
+            <a:endParaRPr lang="zh-CN" altLang="zh-CN" dirty="0"/>
+          </a:p>
+          <a:p>
+            <a:endParaRPr lang="en-US" altLang="zh-CN" dirty="0"/>
+          </a:p>
+          <a:p>
+            <a:r>
+              <a:rPr lang="zh-CN" altLang="en-US" dirty="0"/>
+              <a:t>命令行启动：</a:t>
+            </a:r>
+            <a:endParaRPr lang="en-US" altLang="zh-CN" dirty="0"/>
+          </a:p>
+          <a:p>
+            <a:r>
+              <a:rPr lang="en-US" altLang="zh-CN" dirty="0"/>
+              <a:t>consul_1.6.2.exe agent –dev</a:t>
+            </a:r>
+            <a:endParaRPr lang="en-US" altLang="zh-CN" dirty="0"/>
+          </a:p>
+          <a:p>
+            <a:endParaRPr lang="en-US" altLang="zh-CN" dirty="0"/>
+          </a:p>
+          <a:p>
+            <a:r>
+              <a:rPr lang="zh-CN" altLang="en-US" u="sng" dirty="0">
                 <a:hlinkClick r:id="rId2"/>
               </a:rPr>
-              <a:t>https://www.consul.io/</a:t>
-            </a:r>
-            <a:r>
-              <a:rPr lang="en-US" altLang="zh-CN" dirty="0"/>
-              <a:t>   </a:t>
-            </a:r>
-            <a:r>
-              <a:rPr lang="zh-CN" altLang="zh-CN" dirty="0"/>
-              <a:t>官网</a:t>
-            </a:r>
-          </a:p>
-          <a:p>
-            <a:endParaRPr lang="en-US" altLang="zh-CN" dirty="0"/>
-          </a:p>
-          <a:p>
-            <a:r>
-              <a:rPr lang="zh-CN" altLang="en-US" dirty="0"/>
-              <a:t>命令行启动：</a:t>
-            </a:r>
-            <a:endParaRPr lang="en-US" altLang="zh-CN" dirty="0"/>
-          </a:p>
-          <a:p>
-            <a:r>
-              <a:rPr lang="en-US" altLang="zh-CN" dirty="0"/>
-              <a:t>consul_1.6.2.exe agent –dev</a:t>
-            </a:r>
-          </a:p>
-          <a:p>
-            <a:endParaRPr lang="en-US" altLang="zh-CN" dirty="0"/>
-          </a:p>
-          <a:p>
-            <a:r>
-              <a:rPr lang="zh-CN" altLang="en-US" u="sng" dirty="0">
-                <a:hlinkClick r:id="rId3"/>
-              </a:rPr>
               <a:t>浏览器访问：</a:t>
             </a:r>
             <a:endParaRPr lang="en-US" altLang="zh-CN" u="sng" dirty="0">
-              <a:hlinkClick r:id="rId3"/>
+              <a:hlinkClick r:id="rId2"/>
             </a:endParaRPr>
           </a:p>
           <a:p>
             <a:r>
               <a:rPr lang="en-US" altLang="zh-CN" u="sng" dirty="0">
-                <a:hlinkClick r:id="rId3"/>
+                <a:hlinkClick r:id="rId2"/>
               </a:rPr>
               <a:t>http://localhost:8500</a:t>
             </a:r>
@@ -7611,11 +7570,6 @@
         </p:txBody>
       </p:sp>
     </p:spTree>
-    <p:extLst>
-      <p:ext uri="{BB962C8B-B14F-4D97-AF65-F5344CB8AC3E}">
-        <p14:creationId xmlns:p14="http://schemas.microsoft.com/office/powerpoint/2010/main" val="4212643583"/>
-      </p:ext>
-    </p:extLst>
   </p:cSld>
   <p:clrMapOvr>
     <a:masterClrMapping/>
@@ -7763,13 +7717,7 @@
       </p:sp>
       <p:sp>
         <p:nvSpPr>
-          <p:cNvPr id="2" name="文本框 1">
-            <a:extLst>
-              <a:ext uri="{FF2B5EF4-FFF2-40B4-BE49-F238E27FC236}">
-                <a16:creationId xmlns:a16="http://schemas.microsoft.com/office/drawing/2014/main" id="{16B512D6-5C02-4FFA-BD5E-8D82BFAB8AA1}"/>
-              </a:ext>
-            </a:extLst>
-          </p:cNvPr>
+          <p:cNvPr id="2" name="文本框 1"/>
           <p:cNvSpPr txBox="1"/>
           <p:nvPr/>
         </p:nvSpPr>
@@ -7865,20 +7813,14 @@
       </p:sp>
       <p:pic>
         <p:nvPicPr>
-          <p:cNvPr id="4" name="图片 3">
-            <a:extLst>
-              <a:ext uri="{FF2B5EF4-FFF2-40B4-BE49-F238E27FC236}">
-                <a16:creationId xmlns:a16="http://schemas.microsoft.com/office/drawing/2014/main" id="{EEED869C-670A-44AC-91CC-BF23B974E0D8}"/>
-              </a:ext>
-            </a:extLst>
-          </p:cNvPr>
+          <p:cNvPr id="4" name="图片 3"/>
           <p:cNvPicPr>
             <a:picLocks noChangeAspect="1"/>
           </p:cNvPicPr>
           <p:nvPr/>
         </p:nvPicPr>
         <p:blipFill>
-          <a:blip r:embed="rId2"/>
+          <a:blip r:embed="rId1"/>
           <a:stretch>
             <a:fillRect/>
           </a:stretch>
@@ -7894,11 +7836,6 @@
         </p:spPr>
       </p:pic>
     </p:spTree>
-    <p:extLst>
-      <p:ext uri="{BB962C8B-B14F-4D97-AF65-F5344CB8AC3E}">
-        <p14:creationId xmlns:p14="http://schemas.microsoft.com/office/powerpoint/2010/main" val="2027692386"/>
-      </p:ext>
-    </p:extLst>
   </p:cSld>
   <p:clrMapOvr>
     <a:masterClrMapping/>
@@ -8009,13 +7946,7 @@
       </p:sp>
       <p:sp>
         <p:nvSpPr>
-          <p:cNvPr id="5" name="文本框 4">
-            <a:extLst>
-              <a:ext uri="{FF2B5EF4-FFF2-40B4-BE49-F238E27FC236}">
-                <a16:creationId xmlns:a16="http://schemas.microsoft.com/office/drawing/2014/main" id="{1E90782B-487B-4A54-9592-BC6F6C647B58}"/>
-              </a:ext>
-            </a:extLst>
-          </p:cNvPr>
+          <p:cNvPr id="5" name="文本框 4"/>
           <p:cNvSpPr txBox="1"/>
           <p:nvPr/>
         </p:nvSpPr>
@@ -8053,15 +7984,11 @@
               <a:rPr lang="en-US" altLang="zh-CN" dirty="0"/>
               <a:t>consul</a:t>
             </a:r>
+            <a:endParaRPr lang="en-US" altLang="zh-CN" dirty="0"/>
           </a:p>
         </p:txBody>
       </p:sp>
     </p:spTree>
-    <p:extLst>
-      <p:ext uri="{BB962C8B-B14F-4D97-AF65-F5344CB8AC3E}">
-        <p14:creationId xmlns:p14="http://schemas.microsoft.com/office/powerpoint/2010/main" val="2841108758"/>
-      </p:ext>
-    </p:extLst>
   </p:cSld>
   <p:clrMapOvr>
     <a:masterClrMapping/>
@@ -8172,13 +8099,7 @@
       </p:sp>
       <p:sp>
         <p:nvSpPr>
-          <p:cNvPr id="5" name="文本框 4">
-            <a:extLst>
-              <a:ext uri="{FF2B5EF4-FFF2-40B4-BE49-F238E27FC236}">
-                <a16:creationId xmlns:a16="http://schemas.microsoft.com/office/drawing/2014/main" id="{1E90782B-487B-4A54-9592-BC6F6C647B58}"/>
-              </a:ext>
-            </a:extLst>
-          </p:cNvPr>
+          <p:cNvPr id="5" name="文本框 4"/>
           <p:cNvSpPr txBox="1"/>
           <p:nvPr/>
         </p:nvSpPr>
@@ -8200,7 +8121,7 @@
           <a:p>
             <a:r>
               <a:rPr lang="en-US" altLang="zh-CN" u="sng" dirty="0">
-                <a:hlinkClick r:id="rId2"/>
+                <a:hlinkClick r:id="rId1"/>
               </a:rPr>
               <a:t>http://localhost:8500</a:t>
             </a:r>
@@ -8256,11 +8177,6 @@
         </p:txBody>
       </p:sp>
     </p:spTree>
-    <p:extLst>
-      <p:ext uri="{BB962C8B-B14F-4D97-AF65-F5344CB8AC3E}">
-        <p14:creationId xmlns:p14="http://schemas.microsoft.com/office/powerpoint/2010/main" val="820930920"/>
-      </p:ext>
-    </p:extLst>
   </p:cSld>
   <p:clrMapOvr>
     <a:masterClrMapping/>
@@ -8371,13 +8287,7 @@
       </p:sp>
       <p:sp>
         <p:nvSpPr>
-          <p:cNvPr id="5" name="文本框 4">
-            <a:extLst>
-              <a:ext uri="{FF2B5EF4-FFF2-40B4-BE49-F238E27FC236}">
-                <a16:creationId xmlns:a16="http://schemas.microsoft.com/office/drawing/2014/main" id="{1E90782B-487B-4A54-9592-BC6F6C647B58}"/>
-              </a:ext>
-            </a:extLst>
-          </p:cNvPr>
+          <p:cNvPr id="5" name="文本框 4"/>
           <p:cNvSpPr txBox="1"/>
           <p:nvPr/>
         </p:nvSpPr>
@@ -8415,6 +8325,7 @@
               <a:rPr lang="en-US" altLang="zh-CN" dirty="0"/>
               <a:t>consul</a:t>
             </a:r>
+            <a:endParaRPr lang="en-US" altLang="zh-CN" dirty="0"/>
           </a:p>
           <a:p>
             <a:endParaRPr lang="en-US" altLang="zh-CN" dirty="0"/>
@@ -8425,11 +8336,6 @@
         </p:txBody>
       </p:sp>
     </p:spTree>
-    <p:extLst>
-      <p:ext uri="{BB962C8B-B14F-4D97-AF65-F5344CB8AC3E}">
-        <p14:creationId xmlns:p14="http://schemas.microsoft.com/office/powerpoint/2010/main" val="263419292"/>
-      </p:ext>
-    </p:extLst>
   </p:cSld>
   <p:clrMapOvr>
     <a:masterClrMapping/>
@@ -8540,13 +8446,7 @@
       </p:sp>
       <p:sp>
         <p:nvSpPr>
-          <p:cNvPr id="5" name="文本框 4">
-            <a:extLst>
-              <a:ext uri="{FF2B5EF4-FFF2-40B4-BE49-F238E27FC236}">
-                <a16:creationId xmlns:a16="http://schemas.microsoft.com/office/drawing/2014/main" id="{1E90782B-487B-4A54-9592-BC6F6C647B58}"/>
-              </a:ext>
-            </a:extLst>
-          </p:cNvPr>
+          <p:cNvPr id="5" name="文本框 4"/>
           <p:cNvSpPr txBox="1"/>
           <p:nvPr/>
         </p:nvSpPr>
@@ -8626,11 +8526,6 @@
         </p:txBody>
       </p:sp>
     </p:spTree>
-    <p:extLst>
-      <p:ext uri="{BB962C8B-B14F-4D97-AF65-F5344CB8AC3E}">
-        <p14:creationId xmlns:p14="http://schemas.microsoft.com/office/powerpoint/2010/main" val="4116990455"/>
-      </p:ext>
-    </p:extLst>
   </p:cSld>
   <p:clrMapOvr>
     <a:masterClrMapping/>
@@ -8682,7 +8577,7 @@
             <p:cNvSpPr/>
             <p:nvPr>
               <p:custDataLst>
-                <p:tags r:id="rId3"/>
+                <p:tags r:id="rId2"/>
               </p:custDataLst>
             </p:nvPr>
           </p:nvSpPr>
@@ -8742,7 +8637,7 @@
             <p:cNvSpPr/>
             <p:nvPr>
               <p:custDataLst>
-                <p:tags r:id="rId4"/>
+                <p:tags r:id="rId3"/>
               </p:custDataLst>
             </p:nvPr>
           </p:nvSpPr>
@@ -8932,6 +8827,28 @@
               </a:rPr>
               <a:t>课程</a:t>
             </a:r>
+            <a:endParaRPr lang="zh-CN" altLang="en-US" sz="2800" b="1" dirty="0">
+              <a:ln w="10160">
+                <a:solidFill>
+                  <a:srgbClr val="FFC000"/>
+                </a:solidFill>
+                <a:prstDash val="solid"/>
+              </a:ln>
+              <a:solidFill>
+                <a:srgbClr val="FFFFFF"/>
+              </a:solidFill>
+              <a:effectLst>
+                <a:outerShdw blurRad="38100" dist="22860" dir="5400000" algn="tl" rotWithShape="0">
+                  <a:srgbClr val="000000">
+                    <a:alpha val="30000"/>
+                  </a:srgbClr>
+                </a:outerShdw>
+              </a:effectLst>
+              <a:latin typeface="+mj-lt"/>
+              <a:ea typeface="+mj-lt"/>
+              <a:cs typeface="+mj-lt"/>
+              <a:sym typeface="+mn-ea"/>
+            </a:endParaRPr>
           </a:p>
         </p:txBody>
       </p:sp>
@@ -9030,7 +8947,7 @@
           <p:cNvSpPr txBox="1"/>
           <p:nvPr>
             <p:custDataLst>
-              <p:tags r:id="rId2"/>
+              <p:tags r:id="rId4"/>
             </p:custDataLst>
           </p:nvPr>
         </p:nvSpPr>
@@ -9561,7 +9478,7 @@
           <p:nvPr/>
         </p:nvPicPr>
         <p:blipFill>
-          <a:blip r:embed="rId6"/>
+          <a:blip r:embed="rId5"/>
           <a:stretch>
             <a:fillRect/>
           </a:stretch>
@@ -9577,11 +9494,6 @@
         </p:spPr>
       </p:pic>
     </p:spTree>
-    <p:extLst>
-      <p:ext uri="{BB962C8B-B14F-4D97-AF65-F5344CB8AC3E}">
-        <p14:creationId xmlns:p14="http://schemas.microsoft.com/office/powerpoint/2010/main" val="4243722278"/>
-      </p:ext>
-    </p:extLst>
   </p:cSld>
   <p:clrMapOvr>
     <a:masterClrMapping/>
@@ -9740,20 +9652,14 @@
       </p:sp>
       <p:pic>
         <p:nvPicPr>
-          <p:cNvPr id="3" name="图片 2">
-            <a:extLst>
-              <a:ext uri="{FF2B5EF4-FFF2-40B4-BE49-F238E27FC236}">
-                <a16:creationId xmlns:a16="http://schemas.microsoft.com/office/drawing/2014/main" id="{09A27550-915B-4DCE-8376-E166176128A5}"/>
-              </a:ext>
-            </a:extLst>
-          </p:cNvPr>
+          <p:cNvPr id="3" name="图片 2"/>
           <p:cNvPicPr>
             <a:picLocks noChangeAspect="1"/>
           </p:cNvPicPr>
           <p:nvPr/>
         </p:nvPicPr>
         <p:blipFill>
-          <a:blip r:embed="rId2"/>
+          <a:blip r:embed="rId1"/>
           <a:stretch>
             <a:fillRect/>
           </a:stretch>
@@ -9769,11 +9675,6 @@
         </p:spPr>
       </p:pic>
     </p:spTree>
-    <p:extLst>
-      <p:ext uri="{BB962C8B-B14F-4D97-AF65-F5344CB8AC3E}">
-        <p14:creationId xmlns:p14="http://schemas.microsoft.com/office/powerpoint/2010/main" val="1281972996"/>
-      </p:ext>
-    </p:extLst>
   </p:cSld>
   <p:clrMapOvr>
     <a:masterClrMapping/>
@@ -9884,13 +9785,7 @@
       </p:sp>
       <p:sp>
         <p:nvSpPr>
-          <p:cNvPr id="5" name="文本框 4">
-            <a:extLst>
-              <a:ext uri="{FF2B5EF4-FFF2-40B4-BE49-F238E27FC236}">
-                <a16:creationId xmlns:a16="http://schemas.microsoft.com/office/drawing/2014/main" id="{1E90782B-487B-4A54-9592-BC6F6C647B58}"/>
-              </a:ext>
-            </a:extLst>
-          </p:cNvPr>
+          <p:cNvPr id="5" name="文本框 4"/>
           <p:cNvSpPr txBox="1"/>
           <p:nvPr/>
         </p:nvSpPr>
@@ -9990,6 +9885,7 @@
               <a:rPr lang="zh-CN" altLang="zh-CN" dirty="0"/>
               <a:t>服务器；</a:t>
             </a:r>
+            <a:endParaRPr lang="zh-CN" altLang="zh-CN" dirty="0"/>
           </a:p>
           <a:p>
             <a:pPr marL="342900" indent="-342900">
@@ -10027,6 +9923,7 @@
               <a:rPr lang="zh-CN" altLang="zh-CN" dirty="0"/>
               <a:t>收费等。</a:t>
             </a:r>
+            <a:endParaRPr lang="zh-CN" altLang="zh-CN" dirty="0"/>
           </a:p>
           <a:p>
             <a:endParaRPr lang="en-US" altLang="zh-CN" dirty="0"/>
@@ -10034,11 +9931,6 @@
         </p:txBody>
       </p:sp>
     </p:spTree>
-    <p:extLst>
-      <p:ext uri="{BB962C8B-B14F-4D97-AF65-F5344CB8AC3E}">
-        <p14:creationId xmlns:p14="http://schemas.microsoft.com/office/powerpoint/2010/main" val="2114450114"/>
-      </p:ext>
-    </p:extLst>
   </p:cSld>
   <p:clrMapOvr>
     <a:masterClrMapping/>
@@ -10186,13 +10078,7 @@
       </p:sp>
       <p:sp>
         <p:nvSpPr>
-          <p:cNvPr id="2" name="文本框 1">
-            <a:extLst>
-              <a:ext uri="{FF2B5EF4-FFF2-40B4-BE49-F238E27FC236}">
-                <a16:creationId xmlns:a16="http://schemas.microsoft.com/office/drawing/2014/main" id="{16B512D6-5C02-4FFA-BD5E-8D82BFAB8AA1}"/>
-              </a:ext>
-            </a:extLst>
-          </p:cNvPr>
+          <p:cNvPr id="2" name="文本框 1"/>
           <p:cNvSpPr txBox="1"/>
           <p:nvPr/>
         </p:nvSpPr>
@@ -10228,25 +10114,20 @@
               <a:rPr lang="zh-CN" altLang="zh-CN" dirty="0"/>
               <a:t>网关微服务</a:t>
             </a:r>
+            <a:endParaRPr lang="zh-CN" altLang="zh-CN" dirty="0"/>
           </a:p>
         </p:txBody>
       </p:sp>
       <p:pic>
         <p:nvPicPr>
-          <p:cNvPr id="6" name="图片 5">
-            <a:extLst>
-              <a:ext uri="{FF2B5EF4-FFF2-40B4-BE49-F238E27FC236}">
-                <a16:creationId xmlns:a16="http://schemas.microsoft.com/office/drawing/2014/main" id="{DB3C95B8-095D-4F9A-847F-73A054287949}"/>
-              </a:ext>
-            </a:extLst>
-          </p:cNvPr>
+          <p:cNvPr id="6" name="图片 5"/>
           <p:cNvPicPr>
             <a:picLocks noChangeAspect="1"/>
           </p:cNvPicPr>
           <p:nvPr/>
         </p:nvPicPr>
         <p:blipFill>
-          <a:blip r:embed="rId2">
+          <a:blip r:embed="rId1">
             <a:extLst>
               <a:ext uri="{28A0092B-C50C-407E-A947-70E740481C1C}">
                 <a14:useLocalDpi xmlns:a14="http://schemas.microsoft.com/office/drawing/2010/main" val="0"/>
@@ -10268,11 +10149,6 @@
         </p:spPr>
       </p:pic>
     </p:spTree>
-    <p:extLst>
-      <p:ext uri="{BB962C8B-B14F-4D97-AF65-F5344CB8AC3E}">
-        <p14:creationId xmlns:p14="http://schemas.microsoft.com/office/powerpoint/2010/main" val="2944664619"/>
-      </p:ext>
-    </p:extLst>
   </p:cSld>
   <p:clrMapOvr>
     <a:masterClrMapping/>
@@ -10431,13 +10307,7 @@
       </p:sp>
       <p:sp>
         <p:nvSpPr>
-          <p:cNvPr id="2" name="文本框 1">
-            <a:extLst>
-              <a:ext uri="{FF2B5EF4-FFF2-40B4-BE49-F238E27FC236}">
-                <a16:creationId xmlns:a16="http://schemas.microsoft.com/office/drawing/2014/main" id="{16B512D6-5C02-4FFA-BD5E-8D82BFAB8AA1}"/>
-              </a:ext>
-            </a:extLst>
-          </p:cNvPr>
+          <p:cNvPr id="2" name="文本框 1"/>
           <p:cNvSpPr txBox="1"/>
           <p:nvPr/>
         </p:nvSpPr>
@@ -10487,6 +10357,7 @@
               <a:rPr lang="en-US" altLang="zh-CN" dirty="0"/>
               <a:t>(3.1)</a:t>
             </a:r>
+            <a:endParaRPr lang="en-US" altLang="zh-CN" dirty="0"/>
           </a:p>
           <a:p>
             <a:r>
@@ -10501,6 +10372,7 @@
               <a:rPr lang="en-US" altLang="zh-CN" dirty="0"/>
               <a:t>-ocelot</a:t>
             </a:r>
+            <a:endParaRPr lang="en-US" altLang="zh-CN" dirty="0"/>
           </a:p>
           <a:p>
             <a:r>
@@ -10553,11 +10425,6 @@
         </p:txBody>
       </p:sp>
     </p:spTree>
-    <p:extLst>
-      <p:ext uri="{BB962C8B-B14F-4D97-AF65-F5344CB8AC3E}">
-        <p14:creationId xmlns:p14="http://schemas.microsoft.com/office/powerpoint/2010/main" val="477106407"/>
-      </p:ext>
-    </p:extLst>
   </p:cSld>
   <p:clrMapOvr>
     <a:masterClrMapping/>
@@ -10705,13 +10572,7 @@
       </p:sp>
       <p:sp>
         <p:nvSpPr>
-          <p:cNvPr id="2" name="文本框 1">
-            <a:extLst>
-              <a:ext uri="{FF2B5EF4-FFF2-40B4-BE49-F238E27FC236}">
-                <a16:creationId xmlns:a16="http://schemas.microsoft.com/office/drawing/2014/main" id="{16B512D6-5C02-4FFA-BD5E-8D82BFAB8AA1}"/>
-              </a:ext>
-            </a:extLst>
-          </p:cNvPr>
+          <p:cNvPr id="2" name="文本框 1"/>
           <p:cNvSpPr txBox="1"/>
           <p:nvPr/>
         </p:nvSpPr>
@@ -10826,20 +10687,14 @@
       </p:sp>
       <p:pic>
         <p:nvPicPr>
-          <p:cNvPr id="3" name="图片 2">
-            <a:extLst>
-              <a:ext uri="{FF2B5EF4-FFF2-40B4-BE49-F238E27FC236}">
-                <a16:creationId xmlns:a16="http://schemas.microsoft.com/office/drawing/2014/main" id="{31E39C32-6667-4DF2-A6D5-F39BCBB1F5C4}"/>
-              </a:ext>
-            </a:extLst>
-          </p:cNvPr>
+          <p:cNvPr id="3" name="图片 2"/>
           <p:cNvPicPr>
             <a:picLocks noChangeAspect="1"/>
           </p:cNvPicPr>
           <p:nvPr/>
         </p:nvPicPr>
         <p:blipFill>
-          <a:blip r:embed="rId2"/>
+          <a:blip r:embed="rId1"/>
           <a:stretch>
             <a:fillRect/>
           </a:stretch>
@@ -10855,11 +10710,6 @@
         </p:spPr>
       </p:pic>
     </p:spTree>
-    <p:extLst>
-      <p:ext uri="{BB962C8B-B14F-4D97-AF65-F5344CB8AC3E}">
-        <p14:creationId xmlns:p14="http://schemas.microsoft.com/office/powerpoint/2010/main" val="1377252491"/>
-      </p:ext>
-    </p:extLst>
   </p:cSld>
   <p:clrMapOvr>
     <a:masterClrMapping/>
@@ -11007,13 +10857,7 @@
       </p:sp>
       <p:sp>
         <p:nvSpPr>
-          <p:cNvPr id="2" name="文本框 1">
-            <a:extLst>
-              <a:ext uri="{FF2B5EF4-FFF2-40B4-BE49-F238E27FC236}">
-                <a16:creationId xmlns:a16="http://schemas.microsoft.com/office/drawing/2014/main" id="{16B512D6-5C02-4FFA-BD5E-8D82BFAB8AA1}"/>
-              </a:ext>
-            </a:extLst>
-          </p:cNvPr>
+          <p:cNvPr id="2" name="文本框 1"/>
           <p:cNvSpPr txBox="1"/>
           <p:nvPr/>
         </p:nvSpPr>
@@ -11092,20 +10936,14 @@
       </p:sp>
       <p:pic>
         <p:nvPicPr>
-          <p:cNvPr id="3" name="图片 2">
-            <a:extLst>
-              <a:ext uri="{FF2B5EF4-FFF2-40B4-BE49-F238E27FC236}">
-                <a16:creationId xmlns:a16="http://schemas.microsoft.com/office/drawing/2014/main" id="{1354CCE7-D263-4A1A-AF0B-2AFF2EDF8EB1}"/>
-              </a:ext>
-            </a:extLst>
-          </p:cNvPr>
+          <p:cNvPr id="3" name="图片 2"/>
           <p:cNvPicPr>
             <a:picLocks noChangeAspect="1"/>
           </p:cNvPicPr>
           <p:nvPr/>
         </p:nvPicPr>
         <p:blipFill>
-          <a:blip r:embed="rId2"/>
+          <a:blip r:embed="rId1"/>
           <a:stretch>
             <a:fillRect/>
           </a:stretch>
@@ -11121,11 +10959,6 @@
         </p:spPr>
       </p:pic>
     </p:spTree>
-    <p:extLst>
-      <p:ext uri="{BB962C8B-B14F-4D97-AF65-F5344CB8AC3E}">
-        <p14:creationId xmlns:p14="http://schemas.microsoft.com/office/powerpoint/2010/main" val="3045374730"/>
-      </p:ext>
-    </p:extLst>
   </p:cSld>
   <p:clrMapOvr>
     <a:masterClrMapping/>
@@ -11284,13 +11117,7 @@
       </p:sp>
       <p:sp>
         <p:nvSpPr>
-          <p:cNvPr id="2" name="文本框 1">
-            <a:extLst>
-              <a:ext uri="{FF2B5EF4-FFF2-40B4-BE49-F238E27FC236}">
-                <a16:creationId xmlns:a16="http://schemas.microsoft.com/office/drawing/2014/main" id="{16B512D6-5C02-4FFA-BD5E-8D82BFAB8AA1}"/>
-              </a:ext>
-            </a:extLst>
-          </p:cNvPr>
+          <p:cNvPr id="2" name="文本框 1"/>
           <p:cNvSpPr txBox="1"/>
           <p:nvPr/>
         </p:nvSpPr>
@@ -11404,11 +11231,6 @@
         </p:txBody>
       </p:sp>
     </p:spTree>
-    <p:extLst>
-      <p:ext uri="{BB962C8B-B14F-4D97-AF65-F5344CB8AC3E}">
-        <p14:creationId xmlns:p14="http://schemas.microsoft.com/office/powerpoint/2010/main" val="2104307851"/>
-      </p:ext>
-    </p:extLst>
   </p:cSld>
   <p:clrMapOvr>
     <a:masterClrMapping/>
@@ -11567,20 +11389,14 @@
       </p:sp>
       <p:pic>
         <p:nvPicPr>
-          <p:cNvPr id="3" name="图片 2">
-            <a:extLst>
-              <a:ext uri="{FF2B5EF4-FFF2-40B4-BE49-F238E27FC236}">
-                <a16:creationId xmlns:a16="http://schemas.microsoft.com/office/drawing/2014/main" id="{09A27550-915B-4DCE-8376-E166176128A5}"/>
-              </a:ext>
-            </a:extLst>
-          </p:cNvPr>
+          <p:cNvPr id="3" name="图片 2"/>
           <p:cNvPicPr>
             <a:picLocks noChangeAspect="1"/>
           </p:cNvPicPr>
           <p:nvPr/>
         </p:nvPicPr>
         <p:blipFill>
-          <a:blip r:embed="rId2"/>
+          <a:blip r:embed="rId1"/>
           <a:stretch>
             <a:fillRect/>
           </a:stretch>
@@ -11596,11 +11412,6 @@
         </p:spPr>
       </p:pic>
     </p:spTree>
-    <p:extLst>
-      <p:ext uri="{BB962C8B-B14F-4D97-AF65-F5344CB8AC3E}">
-        <p14:creationId xmlns:p14="http://schemas.microsoft.com/office/powerpoint/2010/main" val="3404228225"/>
-      </p:ext>
-    </p:extLst>
   </p:cSld>
   <p:clrMapOvr>
     <a:masterClrMapping/>
@@ -11748,13 +11559,7 @@
       </p:sp>
       <p:sp>
         <p:nvSpPr>
-          <p:cNvPr id="2" name="文本框 1">
-            <a:extLst>
-              <a:ext uri="{FF2B5EF4-FFF2-40B4-BE49-F238E27FC236}">
-                <a16:creationId xmlns:a16="http://schemas.microsoft.com/office/drawing/2014/main" id="{16B512D6-5C02-4FFA-BD5E-8D82BFAB8AA1}"/>
-              </a:ext>
-            </a:extLst>
-          </p:cNvPr>
+          <p:cNvPr id="2" name="文本框 1"/>
           <p:cNvSpPr txBox="1"/>
           <p:nvPr/>
         </p:nvSpPr>
@@ -11819,11 +11624,6 @@
         </p:txBody>
       </p:sp>
     </p:spTree>
-    <p:extLst>
-      <p:ext uri="{BB962C8B-B14F-4D97-AF65-F5344CB8AC3E}">
-        <p14:creationId xmlns:p14="http://schemas.microsoft.com/office/powerpoint/2010/main" val="1018592754"/>
-      </p:ext>
-    </p:extLst>
   </p:cSld>
   <p:clrMapOvr>
     <a:masterClrMapping/>
@@ -11982,13 +11782,7 @@
       </p:sp>
       <p:sp>
         <p:nvSpPr>
-          <p:cNvPr id="2" name="文本框 1">
-            <a:extLst>
-              <a:ext uri="{FF2B5EF4-FFF2-40B4-BE49-F238E27FC236}">
-                <a16:creationId xmlns:a16="http://schemas.microsoft.com/office/drawing/2014/main" id="{16B512D6-5C02-4FFA-BD5E-8D82BFAB8AA1}"/>
-              </a:ext>
-            </a:extLst>
-          </p:cNvPr>
+          <p:cNvPr id="2" name="文本框 1"/>
           <p:cNvSpPr txBox="1"/>
           <p:nvPr/>
         </p:nvSpPr>
@@ -12037,20 +11831,14 @@
       </p:sp>
       <p:pic>
         <p:nvPicPr>
-          <p:cNvPr id="3" name="图片 2">
-            <a:extLst>
-              <a:ext uri="{FF2B5EF4-FFF2-40B4-BE49-F238E27FC236}">
-                <a16:creationId xmlns:a16="http://schemas.microsoft.com/office/drawing/2014/main" id="{D9472628-55DB-4E41-AED8-6AFE117CD919}"/>
-              </a:ext>
-            </a:extLst>
-          </p:cNvPr>
+          <p:cNvPr id="3" name="图片 2"/>
           <p:cNvPicPr>
             <a:picLocks noChangeAspect="1"/>
           </p:cNvPicPr>
           <p:nvPr/>
         </p:nvPicPr>
         <p:blipFill>
-          <a:blip r:embed="rId2"/>
+          <a:blip r:embed="rId1"/>
           <a:stretch>
             <a:fillRect/>
           </a:stretch>
@@ -12066,11 +11854,6 @@
         </p:spPr>
       </p:pic>
     </p:spTree>
-    <p:extLst>
-      <p:ext uri="{BB962C8B-B14F-4D97-AF65-F5344CB8AC3E}">
-        <p14:creationId xmlns:p14="http://schemas.microsoft.com/office/powerpoint/2010/main" val="1382393687"/>
-      </p:ext>
-    </p:extLst>
   </p:cSld>
   <p:clrMapOvr>
     <a:masterClrMapping/>
@@ -12218,13 +12001,7 @@
       </p:sp>
       <p:sp>
         <p:nvSpPr>
-          <p:cNvPr id="2" name="文本框 1">
-            <a:extLst>
-              <a:ext uri="{FF2B5EF4-FFF2-40B4-BE49-F238E27FC236}">
-                <a16:creationId xmlns:a16="http://schemas.microsoft.com/office/drawing/2014/main" id="{16B512D6-5C02-4FFA-BD5E-8D82BFAB8AA1}"/>
-              </a:ext>
-            </a:extLst>
-          </p:cNvPr>
+          <p:cNvPr id="2" name="文本框 1"/>
           <p:cNvSpPr txBox="1"/>
           <p:nvPr/>
         </p:nvSpPr>
@@ -12283,6 +12060,7 @@
               <a:rPr lang="en-US" altLang="zh-CN" dirty="0"/>
               <a:t>)</a:t>
             </a:r>
+            <a:endParaRPr lang="en-US" altLang="zh-CN" dirty="0"/>
           </a:p>
           <a:p>
             <a:r>
@@ -12315,15 +12093,11 @@
               <a:rPr lang="en-US" altLang="zh-CN" dirty="0"/>
               <a:t>and so on</a:t>
             </a:r>
+            <a:endParaRPr lang="en-US" altLang="zh-CN" dirty="0"/>
           </a:p>
         </p:txBody>
       </p:sp>
     </p:spTree>
-    <p:extLst>
-      <p:ext uri="{BB962C8B-B14F-4D97-AF65-F5344CB8AC3E}">
-        <p14:creationId xmlns:p14="http://schemas.microsoft.com/office/powerpoint/2010/main" val="2974195414"/>
-      </p:ext>
-    </p:extLst>
   </p:cSld>
   <p:clrMapOvr>
     <a:masterClrMapping/>
@@ -12375,7 +12149,7 @@
             <p:cNvSpPr/>
             <p:nvPr>
               <p:custDataLst>
-                <p:tags r:id="rId3"/>
+                <p:tags r:id="rId2"/>
               </p:custDataLst>
             </p:nvPr>
           </p:nvSpPr>
@@ -12435,7 +12209,7 @@
             <p:cNvSpPr/>
             <p:nvPr>
               <p:custDataLst>
-                <p:tags r:id="rId4"/>
+                <p:tags r:id="rId3"/>
               </p:custDataLst>
             </p:nvPr>
           </p:nvSpPr>
@@ -12625,6 +12399,28 @@
               </a:rPr>
               <a:t>课程</a:t>
             </a:r>
+            <a:endParaRPr lang="zh-CN" altLang="en-US" sz="2800" b="1" dirty="0">
+              <a:ln w="10160">
+                <a:solidFill>
+                  <a:srgbClr val="FFC000"/>
+                </a:solidFill>
+                <a:prstDash val="solid"/>
+              </a:ln>
+              <a:solidFill>
+                <a:srgbClr val="FFFFFF"/>
+              </a:solidFill>
+              <a:effectLst>
+                <a:outerShdw blurRad="38100" dist="22860" dir="5400000" algn="tl" rotWithShape="0">
+                  <a:srgbClr val="000000">
+                    <a:alpha val="30000"/>
+                  </a:srgbClr>
+                </a:outerShdw>
+              </a:effectLst>
+              <a:latin typeface="+mj-lt"/>
+              <a:ea typeface="+mj-lt"/>
+              <a:cs typeface="+mj-lt"/>
+              <a:sym typeface="+mn-ea"/>
+            </a:endParaRPr>
           </a:p>
         </p:txBody>
       </p:sp>
@@ -12723,7 +12519,7 @@
           <p:cNvSpPr txBox="1"/>
           <p:nvPr>
             <p:custDataLst>
-              <p:tags r:id="rId2"/>
+              <p:tags r:id="rId4"/>
             </p:custDataLst>
           </p:nvPr>
         </p:nvSpPr>
@@ -13181,7 +12977,7 @@
           <p:nvPr/>
         </p:nvPicPr>
         <p:blipFill>
-          <a:blip r:embed="rId6"/>
+          <a:blip r:embed="rId5"/>
           <a:stretch>
             <a:fillRect/>
           </a:stretch>
@@ -13197,11 +12993,6 @@
         </p:spPr>
       </p:pic>
     </p:spTree>
-    <p:extLst>
-      <p:ext uri="{BB962C8B-B14F-4D97-AF65-F5344CB8AC3E}">
-        <p14:creationId xmlns:p14="http://schemas.microsoft.com/office/powerpoint/2010/main" val="2337461937"/>
-      </p:ext>
-    </p:extLst>
   </p:cSld>
   <p:clrMapOvr>
     <a:masterClrMapping/>
@@ -13349,20 +13140,14 @@
       </p:sp>
       <p:pic>
         <p:nvPicPr>
-          <p:cNvPr id="4" name="图片 3">
-            <a:extLst>
-              <a:ext uri="{FF2B5EF4-FFF2-40B4-BE49-F238E27FC236}">
-                <a16:creationId xmlns:a16="http://schemas.microsoft.com/office/drawing/2014/main" id="{FB7F924A-3B07-4C9C-8B90-13F236DFFD56}"/>
-              </a:ext>
-            </a:extLst>
-          </p:cNvPr>
+          <p:cNvPr id="4" name="图片 3"/>
           <p:cNvPicPr>
             <a:picLocks noChangeAspect="1"/>
           </p:cNvPicPr>
           <p:nvPr/>
         </p:nvPicPr>
         <p:blipFill>
-          <a:blip r:embed="rId2">
+          <a:blip r:embed="rId1">
             <a:extLst>
               <a:ext uri="{28A0092B-C50C-407E-A947-70E740481C1C}">
                 <a14:useLocalDpi xmlns:a14="http://schemas.microsoft.com/office/drawing/2010/main" val="0"/>
@@ -13385,13 +13170,7 @@
       </p:pic>
       <p:sp>
         <p:nvSpPr>
-          <p:cNvPr id="5" name="文本框 4">
-            <a:extLst>
-              <a:ext uri="{FF2B5EF4-FFF2-40B4-BE49-F238E27FC236}">
-                <a16:creationId xmlns:a16="http://schemas.microsoft.com/office/drawing/2014/main" id="{1CF8481E-557D-4E79-A8C7-79B1279671C7}"/>
-              </a:ext>
-            </a:extLst>
-          </p:cNvPr>
+          <p:cNvPr id="5" name="文本框 4"/>
           <p:cNvSpPr txBox="1"/>
           <p:nvPr/>
         </p:nvSpPr>
@@ -13419,6 +13198,7 @@
               <a:rPr lang="en-US" altLang="zh-CN" dirty="0"/>
               <a:t>cookie-session</a:t>
             </a:r>
+            <a:endParaRPr lang="en-US" altLang="zh-CN" dirty="0"/>
           </a:p>
           <a:p>
             <a:r>
@@ -13446,11 +13226,6 @@
         </p:txBody>
       </p:sp>
     </p:spTree>
-    <p:extLst>
-      <p:ext uri="{BB962C8B-B14F-4D97-AF65-F5344CB8AC3E}">
-        <p14:creationId xmlns:p14="http://schemas.microsoft.com/office/powerpoint/2010/main" val="1114699936"/>
-      </p:ext>
-    </p:extLst>
   </p:cSld>
   <p:clrMapOvr>
     <a:masterClrMapping/>
@@ -13609,13 +13384,7 @@
       </p:sp>
       <p:sp>
         <p:nvSpPr>
-          <p:cNvPr id="2" name="文本框 1">
-            <a:extLst>
-              <a:ext uri="{FF2B5EF4-FFF2-40B4-BE49-F238E27FC236}">
-                <a16:creationId xmlns:a16="http://schemas.microsoft.com/office/drawing/2014/main" id="{16B512D6-5C02-4FFA-BD5E-8D82BFAB8AA1}"/>
-              </a:ext>
-            </a:extLst>
-          </p:cNvPr>
+          <p:cNvPr id="2" name="文本框 1"/>
           <p:cNvSpPr txBox="1"/>
           <p:nvPr/>
         </p:nvSpPr>
@@ -13658,6 +13427,7 @@
               <a:rPr lang="en-US" altLang="zh-CN" dirty="0"/>
               <a:t>token</a:t>
             </a:r>
+            <a:endParaRPr lang="en-US" altLang="zh-CN" dirty="0"/>
           </a:p>
           <a:p>
             <a:endParaRPr lang="en-US" altLang="zh-CN" dirty="0"/>
@@ -13721,6 +13491,7 @@
               <a:rPr lang="en-US" altLang="zh-CN" dirty="0"/>
               <a:t>Token</a:t>
             </a:r>
+            <a:endParaRPr lang="en-US" altLang="zh-CN" dirty="0"/>
           </a:p>
           <a:p>
             <a:endParaRPr lang="en-US" altLang="zh-CN" dirty="0"/>
@@ -13738,6 +13509,7 @@
               <a:rPr lang="en-US" altLang="zh-CN" dirty="0"/>
               <a:t> Single Sign On</a:t>
             </a:r>
+            <a:endParaRPr lang="en-US" altLang="zh-CN" dirty="0"/>
           </a:p>
           <a:p>
             <a:r>
@@ -13766,20 +13538,14 @@
       </p:sp>
       <p:pic>
         <p:nvPicPr>
-          <p:cNvPr id="6" name="图片 5">
-            <a:extLst>
-              <a:ext uri="{FF2B5EF4-FFF2-40B4-BE49-F238E27FC236}">
-                <a16:creationId xmlns:a16="http://schemas.microsoft.com/office/drawing/2014/main" id="{013E3B7A-07AF-4D91-9097-3CB01CE06452}"/>
-              </a:ext>
-            </a:extLst>
-          </p:cNvPr>
+          <p:cNvPr id="6" name="图片 5"/>
           <p:cNvPicPr>
             <a:picLocks noChangeAspect="1"/>
           </p:cNvPicPr>
           <p:nvPr/>
         </p:nvPicPr>
         <p:blipFill>
-          <a:blip r:embed="rId2" r:link="rId3"/>
+          <a:blip r:embed="rId1" r:link="rId2"/>
           <a:stretch>
             <a:fillRect/>
           </a:stretch>
@@ -13799,11 +13565,6 @@
         </p:spPr>
       </p:pic>
     </p:spTree>
-    <p:extLst>
-      <p:ext uri="{BB962C8B-B14F-4D97-AF65-F5344CB8AC3E}">
-        <p14:creationId xmlns:p14="http://schemas.microsoft.com/office/powerpoint/2010/main" val="3922045922"/>
-      </p:ext>
-    </p:extLst>
   </p:cSld>
   <p:clrMapOvr>
     <a:masterClrMapping/>
@@ -13951,13 +13712,7 @@
       </p:sp>
       <p:sp>
         <p:nvSpPr>
-          <p:cNvPr id="2" name="文本框 1">
-            <a:extLst>
-              <a:ext uri="{FF2B5EF4-FFF2-40B4-BE49-F238E27FC236}">
-                <a16:creationId xmlns:a16="http://schemas.microsoft.com/office/drawing/2014/main" id="{16B512D6-5C02-4FFA-BD5E-8D82BFAB8AA1}"/>
-              </a:ext>
-            </a:extLst>
-          </p:cNvPr>
+          <p:cNvPr id="2" name="文本框 1"/>
           <p:cNvSpPr txBox="1"/>
           <p:nvPr/>
         </p:nvSpPr>
@@ -13983,7 +13738,7 @@
             </a:r>
             <a:r>
               <a:rPr lang="en-US" altLang="zh-CN" u="sng" dirty="0">
-                <a:hlinkClick r:id="rId2"/>
+                <a:hlinkClick r:id="rId1"/>
               </a:rPr>
               <a:t>https://jwt.io/</a:t>
             </a:r>
@@ -14084,6 +13839,7 @@
               <a:rPr lang="zh-CN" altLang="en-US" dirty="0"/>
               <a:t>您可以确定发件人是他们所说的人。此外，由于使用标头和有效负载计算签名，您还可以验证内容是否未被篡改。</a:t>
             </a:r>
+            <a:endParaRPr lang="zh-CN" altLang="en-US" dirty="0"/>
           </a:p>
           <a:p>
             <a:endParaRPr lang="en-US" altLang="zh-CN" dirty="0"/>
@@ -14091,11 +13847,6 @@
         </p:txBody>
       </p:sp>
     </p:spTree>
-    <p:extLst>
-      <p:ext uri="{BB962C8B-B14F-4D97-AF65-F5344CB8AC3E}">
-        <p14:creationId xmlns:p14="http://schemas.microsoft.com/office/powerpoint/2010/main" val="4222848714"/>
-      </p:ext>
-    </p:extLst>
   </p:cSld>
   <p:clrMapOvr>
     <a:masterClrMapping/>
@@ -14254,13 +14005,7 @@
       </p:sp>
       <p:sp>
         <p:nvSpPr>
-          <p:cNvPr id="2" name="文本框 1">
-            <a:extLst>
-              <a:ext uri="{FF2B5EF4-FFF2-40B4-BE49-F238E27FC236}">
-                <a16:creationId xmlns:a16="http://schemas.microsoft.com/office/drawing/2014/main" id="{16B512D6-5C02-4FFA-BD5E-8D82BFAB8AA1}"/>
-              </a:ext>
-            </a:extLst>
-          </p:cNvPr>
+          <p:cNvPr id="2" name="文本框 1"/>
           <p:cNvSpPr txBox="1"/>
           <p:nvPr/>
         </p:nvSpPr>
@@ -14313,6 +14058,7 @@
               <a:rPr lang="en-US" altLang="zh-CN" dirty="0"/>
               <a:t>": "JWT"}</a:t>
             </a:r>
+            <a:endParaRPr lang="en-US" altLang="zh-CN" dirty="0"/>
           </a:p>
           <a:p>
             <a:pPr latinLnBrk="1"/>
@@ -14372,12 +14118,14 @@
               <a:rPr lang="zh-CN" altLang="en-US" dirty="0"/>
               <a:t>防止篡改</a:t>
             </a:r>
+            <a:endParaRPr lang="zh-CN" altLang="en-US" dirty="0"/>
           </a:p>
           <a:p>
             <a:r>
               <a:rPr lang="en-US" altLang="zh-CN" dirty="0"/>
               <a:t>=HMACSHA256( base64UrlEncode(header) + "." +  base64UrlEncode(payload),  secret)</a:t>
             </a:r>
+            <a:endParaRPr lang="en-US" altLang="zh-CN" dirty="0"/>
           </a:p>
           <a:p>
             <a:r>
@@ -14400,13 +14148,31 @@
       </p:sp>
       <p:pic>
         <p:nvPicPr>
-          <p:cNvPr id="4" name="图片 3">
-            <a:extLst>
-              <a:ext uri="{FF2B5EF4-FFF2-40B4-BE49-F238E27FC236}">
-                <a16:creationId xmlns:a16="http://schemas.microsoft.com/office/drawing/2014/main" id="{71D29B81-BB01-4482-8293-051C901811BD}"/>
-              </a:ext>
-            </a:extLst>
-          </p:cNvPr>
+          <p:cNvPr id="4" name="图片 3"/>
+          <p:cNvPicPr>
+            <a:picLocks noChangeAspect="1"/>
+          </p:cNvPicPr>
+          <p:nvPr/>
+        </p:nvPicPr>
+        <p:blipFill>
+          <a:blip r:embed="rId1"/>
+          <a:stretch>
+            <a:fillRect/>
+          </a:stretch>
+        </p:blipFill>
+        <p:spPr>
+          <a:xfrm>
+            <a:off x="5148040" y="681384"/>
+            <a:ext cx="3923923" cy="2521656"/>
+          </a:xfrm>
+          <a:prstGeom prst="rect">
+            <a:avLst/>
+          </a:prstGeom>
+        </p:spPr>
+      </p:pic>
+      <p:pic>
+        <p:nvPicPr>
+          <p:cNvPr id="3" name="图片 2"/>
           <p:cNvPicPr>
             <a:picLocks noChangeAspect="1"/>
           </p:cNvPicPr>
@@ -14420,50 +14186,15 @@
         </p:blipFill>
         <p:spPr>
           <a:xfrm>
-            <a:off x="5148040" y="681384"/>
-            <a:ext cx="3923923" cy="2521656"/>
+            <a:off x="4572000" y="3589266"/>
+            <a:ext cx="4496310" cy="807030"/>
           </a:xfrm>
           <a:prstGeom prst="rect">
             <a:avLst/>
           </a:prstGeom>
         </p:spPr>
       </p:pic>
-      <p:pic>
-        <p:nvPicPr>
-          <p:cNvPr id="3" name="图片 2">
-            <a:extLst>
-              <a:ext uri="{FF2B5EF4-FFF2-40B4-BE49-F238E27FC236}">
-                <a16:creationId xmlns:a16="http://schemas.microsoft.com/office/drawing/2014/main" id="{09DD7591-B55C-454A-A76B-873993B184AE}"/>
-              </a:ext>
-            </a:extLst>
-          </p:cNvPr>
-          <p:cNvPicPr>
-            <a:picLocks noChangeAspect="1"/>
-          </p:cNvPicPr>
-          <p:nvPr/>
-        </p:nvPicPr>
-        <p:blipFill>
-          <a:blip r:embed="rId3"/>
-          <a:stretch>
-            <a:fillRect/>
-          </a:stretch>
-        </p:blipFill>
-        <p:spPr>
-          <a:xfrm>
-            <a:off x="4572000" y="3589266"/>
-            <a:ext cx="4496310" cy="807030"/>
-          </a:xfrm>
-          <a:prstGeom prst="rect">
-            <a:avLst/>
-          </a:prstGeom>
-        </p:spPr>
-      </p:pic>
     </p:spTree>
-    <p:extLst>
-      <p:ext uri="{BB962C8B-B14F-4D97-AF65-F5344CB8AC3E}">
-        <p14:creationId xmlns:p14="http://schemas.microsoft.com/office/powerpoint/2010/main" val="2316317314"/>
-      </p:ext>
-    </p:extLst>
   </p:cSld>
   <p:clrMapOvr>
     <a:masterClrMapping/>
@@ -14633,13 +14364,7 @@
       </p:sp>
       <p:sp>
         <p:nvSpPr>
-          <p:cNvPr id="2" name="文本框 1">
-            <a:extLst>
-              <a:ext uri="{FF2B5EF4-FFF2-40B4-BE49-F238E27FC236}">
-                <a16:creationId xmlns:a16="http://schemas.microsoft.com/office/drawing/2014/main" id="{16B512D6-5C02-4FFA-BD5E-8D82BFAB8AA1}"/>
-              </a:ext>
-            </a:extLst>
-          </p:cNvPr>
+          <p:cNvPr id="2" name="文本框 1"/>
           <p:cNvSpPr txBox="1"/>
           <p:nvPr/>
         </p:nvSpPr>
@@ -14725,6 +14450,7 @@
               <a:rPr lang="en-US" altLang="zh-CN" dirty="0"/>
               <a:t>BLL—DAL</a:t>
             </a:r>
+            <a:endParaRPr lang="en-US" altLang="zh-CN" dirty="0"/>
           </a:p>
           <a:p>
             <a:r>
@@ -14742,31 +14468,27 @@
               <a:rPr lang="en-US" altLang="zh-CN" dirty="0"/>
               <a:t>Micro Service</a:t>
             </a:r>
+            <a:endParaRPr lang="en-US" altLang="zh-CN" dirty="0"/>
           </a:p>
           <a:p>
             <a:r>
               <a:rPr lang="zh-CN" altLang="en-US" dirty="0"/>
               <a:t>随着分布式技术的成熟，设计系统架构时就以服务分拆为手段，这种风格就是微服务架构</a:t>
             </a:r>
+            <a:endParaRPr lang="zh-CN" altLang="en-US" dirty="0"/>
           </a:p>
         </p:txBody>
       </p:sp>
       <p:pic>
         <p:nvPicPr>
-          <p:cNvPr id="3" name="图片 2">
-            <a:extLst>
-              <a:ext uri="{FF2B5EF4-FFF2-40B4-BE49-F238E27FC236}">
-                <a16:creationId xmlns:a16="http://schemas.microsoft.com/office/drawing/2014/main" id="{FF9914CA-3623-4BBC-BF25-B21A343A96B8}"/>
-              </a:ext>
-            </a:extLst>
-          </p:cNvPr>
+          <p:cNvPr id="3" name="图片 2"/>
           <p:cNvPicPr>
             <a:picLocks noChangeAspect="1"/>
           </p:cNvPicPr>
           <p:nvPr/>
         </p:nvPicPr>
         <p:blipFill>
-          <a:blip r:embed="rId2"/>
+          <a:blip r:embed="rId1"/>
           <a:stretch>
             <a:fillRect/>
           </a:stretch>
@@ -14782,11 +14504,6 @@
         </p:spPr>
       </p:pic>
     </p:spTree>
-    <p:extLst>
-      <p:ext uri="{BB962C8B-B14F-4D97-AF65-F5344CB8AC3E}">
-        <p14:creationId xmlns:p14="http://schemas.microsoft.com/office/powerpoint/2010/main" val="2498595103"/>
-      </p:ext>
-    </p:extLst>
   </p:cSld>
   <p:clrMapOvr>
     <a:masterClrMapping/>
@@ -14934,13 +14651,7 @@
       </p:sp>
       <p:sp>
         <p:nvSpPr>
-          <p:cNvPr id="2" name="文本框 1">
-            <a:extLst>
-              <a:ext uri="{FF2B5EF4-FFF2-40B4-BE49-F238E27FC236}">
-                <a16:creationId xmlns:a16="http://schemas.microsoft.com/office/drawing/2014/main" id="{16B512D6-5C02-4FFA-BD5E-8D82BFAB8AA1}"/>
-              </a:ext>
-            </a:extLst>
-          </p:cNvPr>
+          <p:cNvPr id="2" name="文本框 1"/>
           <p:cNvSpPr txBox="1"/>
           <p:nvPr/>
         </p:nvSpPr>
@@ -14962,7 +14673,7 @@
           <a:p>
             <a:r>
               <a:rPr lang="en-US" altLang="zh-CN" u="sng" dirty="0">
-                <a:hlinkClick r:id="rId2"/>
+                <a:hlinkClick r:id="rId1"/>
               </a:rPr>
               <a:t>https://jwt.io/</a:t>
             </a:r>
@@ -14970,25 +14681,20 @@
               <a:rPr lang="en-US" altLang="zh-CN" u="sng" dirty="0"/>
               <a:t>      debuger</a:t>
             </a:r>
+            <a:endParaRPr lang="en-US" altLang="zh-CN" u="sng" dirty="0"/>
           </a:p>
         </p:txBody>
       </p:sp>
       <p:pic>
         <p:nvPicPr>
-          <p:cNvPr id="4" name="图片 3">
-            <a:extLst>
-              <a:ext uri="{FF2B5EF4-FFF2-40B4-BE49-F238E27FC236}">
-                <a16:creationId xmlns:a16="http://schemas.microsoft.com/office/drawing/2014/main" id="{63F45DDF-3ECB-4CF0-A84F-8C820CA32D1C}"/>
-              </a:ext>
-            </a:extLst>
-          </p:cNvPr>
+          <p:cNvPr id="4" name="图片 3"/>
           <p:cNvPicPr>
             <a:picLocks noChangeAspect="1"/>
           </p:cNvPicPr>
           <p:nvPr/>
         </p:nvPicPr>
         <p:blipFill>
-          <a:blip r:embed="rId3"/>
+          <a:blip r:embed="rId2"/>
           <a:stretch>
             <a:fillRect/>
           </a:stretch>
@@ -15004,11 +14710,6 @@
         </p:spPr>
       </p:pic>
     </p:spTree>
-    <p:extLst>
-      <p:ext uri="{BB962C8B-B14F-4D97-AF65-F5344CB8AC3E}">
-        <p14:creationId xmlns:p14="http://schemas.microsoft.com/office/powerpoint/2010/main" val="2430004941"/>
-      </p:ext>
-    </p:extLst>
   </p:cSld>
   <p:clrMapOvr>
     <a:masterClrMapping/>
@@ -15141,13 +14842,7 @@
       </p:sp>
       <p:sp>
         <p:nvSpPr>
-          <p:cNvPr id="5" name="文本框 4">
-            <a:extLst>
-              <a:ext uri="{FF2B5EF4-FFF2-40B4-BE49-F238E27FC236}">
-                <a16:creationId xmlns:a16="http://schemas.microsoft.com/office/drawing/2014/main" id="{1E90782B-487B-4A54-9592-BC6F6C647B58}"/>
-              </a:ext>
-            </a:extLst>
-          </p:cNvPr>
+          <p:cNvPr id="5" name="文本框 4"/>
           <p:cNvSpPr txBox="1"/>
           <p:nvPr/>
         </p:nvSpPr>
@@ -15194,6 +14889,7 @@
               <a:rPr lang="en-US" altLang="zh-CN" dirty="0"/>
               <a:t>="127.0.0.1" --port=9527</a:t>
             </a:r>
+            <a:endParaRPr lang="en-US" altLang="zh-CN" dirty="0"/>
           </a:p>
           <a:p>
             <a:endParaRPr lang="en-US" altLang="zh-CN" dirty="0"/>
@@ -15226,6 +14922,7 @@
               <a:rPr lang="en-US" altLang="zh-CN" dirty="0"/>
               <a:t>="127.0.0.1" --port=5726</a:t>
             </a:r>
+            <a:endParaRPr lang="en-US" altLang="zh-CN" dirty="0"/>
           </a:p>
           <a:p>
             <a:r>
@@ -15248,6 +14945,7 @@
               <a:rPr lang="en-US" altLang="zh-CN" dirty="0"/>
               <a:t>="127.0.0.1" --port=5727</a:t>
             </a:r>
+            <a:endParaRPr lang="en-US" altLang="zh-CN" dirty="0"/>
           </a:p>
           <a:p>
             <a:r>
@@ -15275,11 +14973,6 @@
         </p:txBody>
       </p:sp>
     </p:spTree>
-    <p:extLst>
-      <p:ext uri="{BB962C8B-B14F-4D97-AF65-F5344CB8AC3E}">
-        <p14:creationId xmlns:p14="http://schemas.microsoft.com/office/powerpoint/2010/main" val="5903409"/>
-      </p:ext>
-    </p:extLst>
   </p:cSld>
   <p:clrMapOvr>
     <a:masterClrMapping/>
@@ -15390,13 +15083,7 @@
       </p:sp>
       <p:sp>
         <p:nvSpPr>
-          <p:cNvPr id="5" name="文本框 4">
-            <a:extLst>
-              <a:ext uri="{FF2B5EF4-FFF2-40B4-BE49-F238E27FC236}">
-                <a16:creationId xmlns:a16="http://schemas.microsoft.com/office/drawing/2014/main" id="{1E90782B-487B-4A54-9592-BC6F6C647B58}"/>
-              </a:ext>
-            </a:extLst>
-          </p:cNvPr>
+          <p:cNvPr id="5" name="文本框 4"/>
           <p:cNvSpPr txBox="1"/>
           <p:nvPr/>
         </p:nvSpPr>
@@ -15427,6 +15114,7 @@
               <a:rPr lang="en-US" altLang="zh-CN" dirty="0"/>
               <a:t>---200</a:t>
             </a:r>
+            <a:endParaRPr lang="en-US" altLang="zh-CN" dirty="0"/>
           </a:p>
           <a:p>
             <a:pPr marL="342900" indent="-342900">
@@ -15440,6 +15128,7 @@
               <a:rPr lang="en-US" altLang="zh-CN" dirty="0"/>
               <a:t>---401</a:t>
             </a:r>
+            <a:endParaRPr lang="en-US" altLang="zh-CN" dirty="0"/>
           </a:p>
           <a:p>
             <a:pPr marL="342900" indent="-342900">
@@ -15453,6 +15142,7 @@
               <a:rPr lang="en-US" altLang="zh-CN" dirty="0"/>
               <a:t>token</a:t>
             </a:r>
+            <a:endParaRPr lang="en-US" altLang="zh-CN" dirty="0"/>
           </a:p>
           <a:p>
             <a:pPr marL="342900" indent="-342900">
@@ -15474,6 +15164,7 @@
               <a:rPr lang="en-US" altLang="zh-CN" dirty="0"/>
               <a:t>---200</a:t>
             </a:r>
+            <a:endParaRPr lang="en-US" altLang="zh-CN" dirty="0"/>
           </a:p>
           <a:p>
             <a:pPr marL="342900" indent="-342900">
@@ -15492,6 +15183,7 @@
               <a:rPr lang="en-US" altLang="zh-CN" dirty="0"/>
               <a:t>Authorization: bearer token</a:t>
             </a:r>
+            <a:endParaRPr lang="en-US" altLang="zh-CN" dirty="0"/>
           </a:p>
           <a:p>
             <a:endParaRPr lang="en-US" altLang="zh-CN" dirty="0" err="1"/>
@@ -15499,11 +15191,6 @@
         </p:txBody>
       </p:sp>
     </p:spTree>
-    <p:extLst>
-      <p:ext uri="{BB962C8B-B14F-4D97-AF65-F5344CB8AC3E}">
-        <p14:creationId xmlns:p14="http://schemas.microsoft.com/office/powerpoint/2010/main" val="767201347"/>
-      </p:ext>
-    </p:extLst>
   </p:cSld>
   <p:clrMapOvr>
     <a:masterClrMapping/>
@@ -15651,13 +15338,7 @@
       </p:sp>
       <p:sp>
         <p:nvSpPr>
-          <p:cNvPr id="2" name="文本框 1">
-            <a:extLst>
-              <a:ext uri="{FF2B5EF4-FFF2-40B4-BE49-F238E27FC236}">
-                <a16:creationId xmlns:a16="http://schemas.microsoft.com/office/drawing/2014/main" id="{16B512D6-5C02-4FFA-BD5E-8D82BFAB8AA1}"/>
-              </a:ext>
-            </a:extLst>
-          </p:cNvPr>
+          <p:cNvPr id="2" name="文本框 1"/>
           <p:cNvSpPr txBox="1"/>
           <p:nvPr/>
         </p:nvSpPr>
@@ -15681,6 +15362,7 @@
               <a:rPr lang="en-US" altLang="zh-CN" dirty="0"/>
               <a:t>IdentityServer4</a:t>
             </a:r>
+            <a:endParaRPr lang="en-US" altLang="zh-CN" dirty="0"/>
           </a:p>
           <a:p>
             <a:r>
@@ -15695,6 +15377,7 @@
               <a:rPr lang="en-US" altLang="zh-CN" dirty="0"/>
               <a:t>,</a:t>
             </a:r>
+            <a:endParaRPr lang="en-US" altLang="zh-CN" dirty="0"/>
           </a:p>
           <a:p>
             <a:r>
@@ -15734,20 +15417,14 @@
       </p:sp>
       <p:pic>
         <p:nvPicPr>
-          <p:cNvPr id="4" name="图片 3">
-            <a:extLst>
-              <a:ext uri="{FF2B5EF4-FFF2-40B4-BE49-F238E27FC236}">
-                <a16:creationId xmlns:a16="http://schemas.microsoft.com/office/drawing/2014/main" id="{BBFC103A-8DCD-4470-91A0-A077DDF1D4E1}"/>
-              </a:ext>
-            </a:extLst>
-          </p:cNvPr>
+          <p:cNvPr id="4" name="图片 3"/>
           <p:cNvPicPr>
             <a:picLocks noChangeAspect="1"/>
           </p:cNvPicPr>
           <p:nvPr/>
         </p:nvPicPr>
         <p:blipFill>
-          <a:blip r:embed="rId2"/>
+          <a:blip r:embed="rId1"/>
           <a:stretch>
             <a:fillRect/>
           </a:stretch>
@@ -15763,11 +15440,6 @@
         </p:spPr>
       </p:pic>
     </p:spTree>
-    <p:extLst>
-      <p:ext uri="{BB962C8B-B14F-4D97-AF65-F5344CB8AC3E}">
-        <p14:creationId xmlns:p14="http://schemas.microsoft.com/office/powerpoint/2010/main" val="3909449575"/>
-      </p:ext>
-    </p:extLst>
   </p:cSld>
   <p:clrMapOvr>
     <a:masterClrMapping/>
@@ -15819,7 +15491,7 @@
             <p:cNvSpPr/>
             <p:nvPr>
               <p:custDataLst>
-                <p:tags r:id="rId3"/>
+                <p:tags r:id="rId2"/>
               </p:custDataLst>
             </p:nvPr>
           </p:nvSpPr>
@@ -15879,7 +15551,7 @@
             <p:cNvSpPr/>
             <p:nvPr>
               <p:custDataLst>
-                <p:tags r:id="rId4"/>
+                <p:tags r:id="rId3"/>
               </p:custDataLst>
             </p:nvPr>
           </p:nvSpPr>
@@ -16069,6 +15741,28 @@
               </a:rPr>
               <a:t>课程</a:t>
             </a:r>
+            <a:endParaRPr lang="zh-CN" altLang="en-US" sz="2800" b="1" dirty="0">
+              <a:ln w="10160">
+                <a:solidFill>
+                  <a:srgbClr val="FFC000"/>
+                </a:solidFill>
+                <a:prstDash val="solid"/>
+              </a:ln>
+              <a:solidFill>
+                <a:srgbClr val="FFFFFF"/>
+              </a:solidFill>
+              <a:effectLst>
+                <a:outerShdw blurRad="38100" dist="22860" dir="5400000" algn="tl" rotWithShape="0">
+                  <a:srgbClr val="000000">
+                    <a:alpha val="30000"/>
+                  </a:srgbClr>
+                </a:outerShdw>
+              </a:effectLst>
+              <a:latin typeface="+mj-lt"/>
+              <a:ea typeface="+mj-lt"/>
+              <a:cs typeface="+mj-lt"/>
+              <a:sym typeface="+mn-ea"/>
+            </a:endParaRPr>
           </a:p>
         </p:txBody>
       </p:sp>
@@ -16167,7 +15861,7 @@
           <p:cNvSpPr txBox="1"/>
           <p:nvPr>
             <p:custDataLst>
-              <p:tags r:id="rId2"/>
+              <p:tags r:id="rId4"/>
             </p:custDataLst>
           </p:nvPr>
         </p:nvSpPr>
@@ -16352,7 +16046,7 @@
           <p:nvPr/>
         </p:nvPicPr>
         <p:blipFill>
-          <a:blip r:embed="rId6"/>
+          <a:blip r:embed="rId5"/>
           <a:stretch>
             <a:fillRect/>
           </a:stretch>
@@ -16368,11 +16062,6 @@
         </p:spPr>
       </p:pic>
     </p:spTree>
-    <p:extLst>
-      <p:ext uri="{BB962C8B-B14F-4D97-AF65-F5344CB8AC3E}">
-        <p14:creationId xmlns:p14="http://schemas.microsoft.com/office/powerpoint/2010/main" val="2292299861"/>
-      </p:ext>
-    </p:extLst>
   </p:cSld>
   <p:clrMapOvr>
     <a:masterClrMapping/>
@@ -16531,20 +16220,14 @@
       </p:sp>
       <p:pic>
         <p:nvPicPr>
-          <p:cNvPr id="3" name="图片 2">
-            <a:extLst>
-              <a:ext uri="{FF2B5EF4-FFF2-40B4-BE49-F238E27FC236}">
-                <a16:creationId xmlns:a16="http://schemas.microsoft.com/office/drawing/2014/main" id="{09A27550-915B-4DCE-8376-E166176128A5}"/>
-              </a:ext>
-            </a:extLst>
-          </p:cNvPr>
+          <p:cNvPr id="3" name="图片 2"/>
           <p:cNvPicPr>
             <a:picLocks noChangeAspect="1"/>
           </p:cNvPicPr>
           <p:nvPr/>
         </p:nvPicPr>
         <p:blipFill>
-          <a:blip r:embed="rId2"/>
+          <a:blip r:embed="rId1"/>
           <a:stretch>
             <a:fillRect/>
           </a:stretch>
@@ -16560,11 +16243,6 @@
         </p:spPr>
       </p:pic>
     </p:spTree>
-    <p:extLst>
-      <p:ext uri="{BB962C8B-B14F-4D97-AF65-F5344CB8AC3E}">
-        <p14:creationId xmlns:p14="http://schemas.microsoft.com/office/powerpoint/2010/main" val="3124299271"/>
-      </p:ext>
-    </p:extLst>
   </p:cSld>
   <p:clrMapOvr>
     <a:masterClrMapping/>
@@ -16745,13 +16423,7 @@
       </p:sp>
       <p:sp>
         <p:nvSpPr>
-          <p:cNvPr id="2" name="文本框 1">
-            <a:extLst>
-              <a:ext uri="{FF2B5EF4-FFF2-40B4-BE49-F238E27FC236}">
-                <a16:creationId xmlns:a16="http://schemas.microsoft.com/office/drawing/2014/main" id="{16B512D6-5C02-4FFA-BD5E-8D82BFAB8AA1}"/>
-              </a:ext>
-            </a:extLst>
-          </p:cNvPr>
+          <p:cNvPr id="2" name="文本框 1"/>
           <p:cNvSpPr txBox="1"/>
           <p:nvPr/>
         </p:nvSpPr>
@@ -16864,25 +16536,24 @@
               </a:rPr>
               <a:t>是不能同时满足的！</a:t>
             </a:r>
+            <a:endParaRPr lang="zh-CN" altLang="en-US" dirty="0">
+              <a:solidFill>
+                <a:srgbClr val="FF0000"/>
+              </a:solidFill>
+            </a:endParaRPr>
           </a:p>
         </p:txBody>
       </p:sp>
       <p:pic>
         <p:nvPicPr>
-          <p:cNvPr id="6" name="图片 5">
-            <a:extLst>
-              <a:ext uri="{FF2B5EF4-FFF2-40B4-BE49-F238E27FC236}">
-                <a16:creationId xmlns:a16="http://schemas.microsoft.com/office/drawing/2014/main" id="{EC1F5C7C-266B-47F5-95A8-0793A81F1818}"/>
-              </a:ext>
-            </a:extLst>
-          </p:cNvPr>
+          <p:cNvPr id="6" name="图片 5"/>
           <p:cNvPicPr>
             <a:picLocks noChangeAspect="1"/>
           </p:cNvPicPr>
           <p:nvPr/>
         </p:nvPicPr>
         <p:blipFill>
-          <a:blip r:embed="rId2">
+          <a:blip r:embed="rId1">
             <a:extLst>
               <a:ext uri="{28A0092B-C50C-407E-A947-70E740481C1C}">
                 <a14:useLocalDpi xmlns:a14="http://schemas.microsoft.com/office/drawing/2010/main" val="0"/>
@@ -16904,11 +16575,6 @@
         </p:spPr>
       </p:pic>
     </p:spTree>
-    <p:extLst>
-      <p:ext uri="{BB962C8B-B14F-4D97-AF65-F5344CB8AC3E}">
-        <p14:creationId xmlns:p14="http://schemas.microsoft.com/office/powerpoint/2010/main" val="1549102941"/>
-      </p:ext>
-    </p:extLst>
   </p:cSld>
   <p:clrMapOvr>
     <a:masterClrMapping/>
@@ -17067,20 +16733,14 @@
       </p:sp>
       <p:pic>
         <p:nvPicPr>
-          <p:cNvPr id="8" name="图片 7">
-            <a:extLst>
-              <a:ext uri="{FF2B5EF4-FFF2-40B4-BE49-F238E27FC236}">
-                <a16:creationId xmlns:a16="http://schemas.microsoft.com/office/drawing/2014/main" id="{00000000-0008-0000-0500-000003000000}"/>
-              </a:ext>
-            </a:extLst>
-          </p:cNvPr>
+          <p:cNvPr id="8" name="图片 7"/>
           <p:cNvPicPr>
             <a:picLocks noChangeAspect="1"/>
           </p:cNvPicPr>
           <p:nvPr/>
         </p:nvPicPr>
         <p:blipFill>
-          <a:blip r:embed="rId2" r:link="rId3"/>
+          <a:blip r:embed="rId1" r:link="rId2"/>
           <a:stretch>
             <a:fillRect/>
           </a:stretch>
@@ -17101,13 +16761,7 @@
       </p:pic>
       <p:sp>
         <p:nvSpPr>
-          <p:cNvPr id="7" name="文本框 6">
-            <a:extLst>
-              <a:ext uri="{FF2B5EF4-FFF2-40B4-BE49-F238E27FC236}">
-                <a16:creationId xmlns:a16="http://schemas.microsoft.com/office/drawing/2014/main" id="{27C10060-9310-41F6-B477-E148B670D3B6}"/>
-              </a:ext>
-            </a:extLst>
-          </p:cNvPr>
+          <p:cNvPr id="7" name="文本框 6"/>
           <p:cNvSpPr txBox="1"/>
           <p:nvPr/>
         </p:nvSpPr>
@@ -17154,6 +16808,7 @@
               <a:rPr lang="en-US" altLang="zh-CN" dirty="0"/>
               <a:t>)</a:t>
             </a:r>
+            <a:endParaRPr lang="en-US" altLang="zh-CN" dirty="0"/>
           </a:p>
           <a:p>
             <a:pPr marL="342900" indent="-342900">
@@ -17190,6 +16845,7 @@
               <a:rPr lang="en-US" altLang="zh-CN" dirty="0"/>
               <a:t>Eventually consistent</a:t>
             </a:r>
+            <a:endParaRPr lang="en-US" altLang="zh-CN" dirty="0"/>
           </a:p>
           <a:p>
             <a:endParaRPr lang="en-US" altLang="zh-CN" dirty="0"/>
@@ -17211,11 +16867,6 @@
         </p:txBody>
       </p:sp>
     </p:spTree>
-    <p:extLst>
-      <p:ext uri="{BB962C8B-B14F-4D97-AF65-F5344CB8AC3E}">
-        <p14:creationId xmlns:p14="http://schemas.microsoft.com/office/powerpoint/2010/main" val="2386078454"/>
-      </p:ext>
-    </p:extLst>
   </p:cSld>
   <p:clrMapOvr>
     <a:masterClrMapping/>
@@ -17363,13 +17014,7 @@
       </p:sp>
       <p:sp>
         <p:nvSpPr>
-          <p:cNvPr id="2" name="文本框 1">
-            <a:extLst>
-              <a:ext uri="{FF2B5EF4-FFF2-40B4-BE49-F238E27FC236}">
-                <a16:creationId xmlns:a16="http://schemas.microsoft.com/office/drawing/2014/main" id="{16B512D6-5C02-4FFA-BD5E-8D82BFAB8AA1}"/>
-              </a:ext>
-            </a:extLst>
-          </p:cNvPr>
+          <p:cNvPr id="2" name="文本框 1"/>
           <p:cNvSpPr txBox="1"/>
           <p:nvPr/>
         </p:nvSpPr>
@@ -17393,6 +17038,7 @@
               <a:rPr lang="en-US" altLang="zh-CN" dirty="0"/>
               <a:t>2PC(two-phase commit protocol)</a:t>
             </a:r>
+            <a:endParaRPr lang="en-US" altLang="zh-CN" dirty="0"/>
           </a:p>
           <a:p>
             <a:r>
@@ -17451,20 +17097,14 @@
       </p:sp>
       <p:pic>
         <p:nvPicPr>
-          <p:cNvPr id="7" name="图片 6" descr="F5U9LM4{L@N5]UULVSE)DNS">
-            <a:extLst>
-              <a:ext uri="{FF2B5EF4-FFF2-40B4-BE49-F238E27FC236}">
-                <a16:creationId xmlns:a16="http://schemas.microsoft.com/office/drawing/2014/main" id="{00000000-0008-0000-0500-000012000000}"/>
-              </a:ext>
-            </a:extLst>
-          </p:cNvPr>
+          <p:cNvPr id="7" name="图片 6" descr="F5U9LM4{L@N5]UULVSE)DNS"/>
           <p:cNvPicPr>
             <a:picLocks noChangeAspect="1"/>
           </p:cNvPicPr>
           <p:nvPr/>
         </p:nvPicPr>
         <p:blipFill>
-          <a:blip r:embed="rId2"/>
+          <a:blip r:embed="rId1"/>
           <a:stretch>
             <a:fillRect/>
           </a:stretch>
@@ -17480,11 +17120,6 @@
         </p:spPr>
       </p:pic>
     </p:spTree>
-    <p:extLst>
-      <p:ext uri="{BB962C8B-B14F-4D97-AF65-F5344CB8AC3E}">
-        <p14:creationId xmlns:p14="http://schemas.microsoft.com/office/powerpoint/2010/main" val="2685490868"/>
-      </p:ext>
-    </p:extLst>
   </p:cSld>
   <p:clrMapOvr>
     <a:masterClrMapping/>
@@ -17665,20 +17300,14 @@
       </p:sp>
       <p:pic>
         <p:nvPicPr>
-          <p:cNvPr id="8" name="图片 7" descr="ZS1%QYB8GEX3~2F%`54`OAP">
-            <a:extLst>
-              <a:ext uri="{FF2B5EF4-FFF2-40B4-BE49-F238E27FC236}">
-                <a16:creationId xmlns:a16="http://schemas.microsoft.com/office/drawing/2014/main" id="{00000000-0008-0000-0500-000011000000}"/>
-              </a:ext>
-            </a:extLst>
-          </p:cNvPr>
+          <p:cNvPr id="8" name="图片 7" descr="ZS1%QYB8GEX3~2F%`54`OAP"/>
           <p:cNvPicPr>
             <a:picLocks noChangeAspect="1"/>
           </p:cNvPicPr>
           <p:nvPr/>
         </p:nvPicPr>
         <p:blipFill>
-          <a:blip r:embed="rId2"/>
+          <a:blip r:embed="rId1"/>
           <a:stretch>
             <a:fillRect/>
           </a:stretch>
@@ -17694,11 +17323,6 @@
         </p:spPr>
       </p:pic>
     </p:spTree>
-    <p:extLst>
-      <p:ext uri="{BB962C8B-B14F-4D97-AF65-F5344CB8AC3E}">
-        <p14:creationId xmlns:p14="http://schemas.microsoft.com/office/powerpoint/2010/main" val="1740789851"/>
-      </p:ext>
-    </p:extLst>
   </p:cSld>
   <p:clrMapOvr>
     <a:masterClrMapping/>
@@ -17846,13 +17470,7 @@
       </p:sp>
       <p:sp>
         <p:nvSpPr>
-          <p:cNvPr id="2" name="文本框 1">
-            <a:extLst>
-              <a:ext uri="{FF2B5EF4-FFF2-40B4-BE49-F238E27FC236}">
-                <a16:creationId xmlns:a16="http://schemas.microsoft.com/office/drawing/2014/main" id="{16B512D6-5C02-4FFA-BD5E-8D82BFAB8AA1}"/>
-              </a:ext>
-            </a:extLst>
-          </p:cNvPr>
+          <p:cNvPr id="2" name="文本框 1"/>
           <p:cNvSpPr txBox="1"/>
           <p:nvPr/>
         </p:nvSpPr>
@@ -17884,6 +17502,7 @@
               <a:rPr lang="zh-CN" altLang="zh-CN" dirty="0"/>
               <a:t>）是一种架构概念，旨在通过将功能分解到各个离散的服务中以实现对解决方案的解耦。</a:t>
             </a:r>
+            <a:endParaRPr lang="zh-CN" altLang="zh-CN" dirty="0"/>
           </a:p>
           <a:p>
             <a:endParaRPr lang="zh-CN" altLang="zh-CN" dirty="0"/>
@@ -17921,11 +17540,6 @@
         </p:txBody>
       </p:sp>
     </p:spTree>
-    <p:extLst>
-      <p:ext uri="{BB962C8B-B14F-4D97-AF65-F5344CB8AC3E}">
-        <p14:creationId xmlns:p14="http://schemas.microsoft.com/office/powerpoint/2010/main" val="2944739629"/>
-      </p:ext>
-    </p:extLst>
   </p:cSld>
   <p:clrMapOvr>
     <a:masterClrMapping/>
@@ -18073,13 +17687,7 @@
       </p:sp>
       <p:sp>
         <p:nvSpPr>
-          <p:cNvPr id="2" name="文本框 1">
-            <a:extLst>
-              <a:ext uri="{FF2B5EF4-FFF2-40B4-BE49-F238E27FC236}">
-                <a16:creationId xmlns:a16="http://schemas.microsoft.com/office/drawing/2014/main" id="{16B512D6-5C02-4FFA-BD5E-8D82BFAB8AA1}"/>
-              </a:ext>
-            </a:extLst>
-          </p:cNvPr>
+          <p:cNvPr id="2" name="文本框 1"/>
           <p:cNvSpPr txBox="1"/>
           <p:nvPr/>
         </p:nvSpPr>
@@ -18186,20 +17794,14 @@
       </p:sp>
       <p:pic>
         <p:nvPicPr>
-          <p:cNvPr id="8" name="图片 7" descr="D[}@7X@2O]{9`82UTGHXV0Y">
-            <a:extLst>
-              <a:ext uri="{FF2B5EF4-FFF2-40B4-BE49-F238E27FC236}">
-                <a16:creationId xmlns:a16="http://schemas.microsoft.com/office/drawing/2014/main" id="{00000000-0008-0000-0500-000013000000}"/>
-              </a:ext>
-            </a:extLst>
-          </p:cNvPr>
+          <p:cNvPr id="8" name="图片 7" descr="D[}@7X@2O]{9`82UTGHXV0Y"/>
           <p:cNvPicPr>
             <a:picLocks noChangeAspect="1"/>
           </p:cNvPicPr>
           <p:nvPr/>
         </p:nvPicPr>
         <p:blipFill>
-          <a:blip r:embed="rId2"/>
+          <a:blip r:embed="rId1"/>
           <a:stretch>
             <a:fillRect/>
           </a:stretch>
@@ -18215,11 +17817,6 @@
         </p:spPr>
       </p:pic>
     </p:spTree>
-    <p:extLst>
-      <p:ext uri="{BB962C8B-B14F-4D97-AF65-F5344CB8AC3E}">
-        <p14:creationId xmlns:p14="http://schemas.microsoft.com/office/powerpoint/2010/main" val="2016179222"/>
-      </p:ext>
-    </p:extLst>
   </p:cSld>
   <p:clrMapOvr>
     <a:masterClrMapping/>
@@ -18367,13 +17964,7 @@
       </p:sp>
       <p:sp>
         <p:nvSpPr>
-          <p:cNvPr id="2" name="文本框 1">
-            <a:extLst>
-              <a:ext uri="{FF2B5EF4-FFF2-40B4-BE49-F238E27FC236}">
-                <a16:creationId xmlns:a16="http://schemas.microsoft.com/office/drawing/2014/main" id="{16B512D6-5C02-4FFA-BD5E-8D82BFAB8AA1}"/>
-              </a:ext>
-            </a:extLst>
-          </p:cNvPr>
+          <p:cNvPr id="2" name="文本框 1"/>
           <p:cNvSpPr txBox="1"/>
           <p:nvPr/>
         </p:nvSpPr>
@@ -18401,25 +17992,20 @@
               <a:rPr lang="en-US" altLang="zh-CN" dirty="0"/>
               <a:t>Saga</a:t>
             </a:r>
+            <a:endParaRPr lang="en-US" altLang="zh-CN" dirty="0"/>
           </a:p>
         </p:txBody>
       </p:sp>
       <p:pic>
         <p:nvPicPr>
-          <p:cNvPr id="7" name="图片 6" descr="Q$H@L3$FVOB{2FNUCYQFYWV">
-            <a:extLst>
-              <a:ext uri="{FF2B5EF4-FFF2-40B4-BE49-F238E27FC236}">
-                <a16:creationId xmlns:a16="http://schemas.microsoft.com/office/drawing/2014/main" id="{00000000-0008-0000-0500-000014000000}"/>
-              </a:ext>
-            </a:extLst>
-          </p:cNvPr>
+          <p:cNvPr id="7" name="图片 6" descr="Q$H@L3$FVOB{2FNUCYQFYWV"/>
           <p:cNvPicPr>
             <a:picLocks noChangeAspect="1"/>
           </p:cNvPicPr>
           <p:nvPr/>
         </p:nvPicPr>
         <p:blipFill>
-          <a:blip r:embed="rId2"/>
+          <a:blip r:embed="rId1"/>
           <a:stretch>
             <a:fillRect/>
           </a:stretch>
@@ -18435,11 +18021,6 @@
         </p:spPr>
       </p:pic>
     </p:spTree>
-    <p:extLst>
-      <p:ext uri="{BB962C8B-B14F-4D97-AF65-F5344CB8AC3E}">
-        <p14:creationId xmlns:p14="http://schemas.microsoft.com/office/powerpoint/2010/main" val="856632178"/>
-      </p:ext>
-    </p:extLst>
   </p:cSld>
   <p:clrMapOvr>
     <a:masterClrMapping/>
@@ -18598,13 +18179,7 @@
       </p:sp>
       <p:sp>
         <p:nvSpPr>
-          <p:cNvPr id="2" name="文本框 1">
-            <a:extLst>
-              <a:ext uri="{FF2B5EF4-FFF2-40B4-BE49-F238E27FC236}">
-                <a16:creationId xmlns:a16="http://schemas.microsoft.com/office/drawing/2014/main" id="{16B512D6-5C02-4FFA-BD5E-8D82BFAB8AA1}"/>
-              </a:ext>
-            </a:extLst>
-          </p:cNvPr>
+          <p:cNvPr id="2" name="文本框 1"/>
           <p:cNvSpPr txBox="1"/>
           <p:nvPr/>
         </p:nvSpPr>
@@ -18692,20 +18267,14 @@
       </p:sp>
       <p:pic>
         <p:nvPicPr>
-          <p:cNvPr id="4" name="图片 3">
-            <a:extLst>
-              <a:ext uri="{FF2B5EF4-FFF2-40B4-BE49-F238E27FC236}">
-                <a16:creationId xmlns:a16="http://schemas.microsoft.com/office/drawing/2014/main" id="{D7E7B127-F241-4362-A5A3-FA722DA7A03D}"/>
-              </a:ext>
-            </a:extLst>
-          </p:cNvPr>
+          <p:cNvPr id="4" name="图片 3"/>
           <p:cNvPicPr>
             <a:picLocks noChangeAspect="1"/>
           </p:cNvPicPr>
           <p:nvPr/>
         </p:nvPicPr>
         <p:blipFill>
-          <a:blip r:embed="rId2" cstate="print">
+          <a:blip r:embed="rId1" cstate="print">
             <a:extLst>
               <a:ext uri="{28A0092B-C50C-407E-A947-70E740481C1C}">
                 <a14:useLocalDpi xmlns:a14="http://schemas.microsoft.com/office/drawing/2010/main" val="0"/>
@@ -18727,11 +18296,6 @@
         </p:spPr>
       </p:pic>
     </p:spTree>
-    <p:extLst>
-      <p:ext uri="{BB962C8B-B14F-4D97-AF65-F5344CB8AC3E}">
-        <p14:creationId xmlns:p14="http://schemas.microsoft.com/office/powerpoint/2010/main" val="2896262780"/>
-      </p:ext>
-    </p:extLst>
   </p:cSld>
   <p:clrMapOvr>
     <a:masterClrMapping/>
@@ -18901,13 +18465,7 @@
       </p:sp>
       <p:sp>
         <p:nvSpPr>
-          <p:cNvPr id="2" name="文本框 1">
-            <a:extLst>
-              <a:ext uri="{FF2B5EF4-FFF2-40B4-BE49-F238E27FC236}">
-                <a16:creationId xmlns:a16="http://schemas.microsoft.com/office/drawing/2014/main" id="{16B512D6-5C02-4FFA-BD5E-8D82BFAB8AA1}"/>
-              </a:ext>
-            </a:extLst>
-          </p:cNvPr>
+          <p:cNvPr id="2" name="文本框 1"/>
           <p:cNvSpPr txBox="1"/>
           <p:nvPr/>
         </p:nvSpPr>
@@ -18941,20 +18499,14 @@
       </p:sp>
       <p:pic>
         <p:nvPicPr>
-          <p:cNvPr id="3" name="图片 2">
-            <a:extLst>
-              <a:ext uri="{FF2B5EF4-FFF2-40B4-BE49-F238E27FC236}">
-                <a16:creationId xmlns:a16="http://schemas.microsoft.com/office/drawing/2014/main" id="{33855B20-B9BD-4186-BC68-4CB0EE8ED5E0}"/>
-              </a:ext>
-            </a:extLst>
-          </p:cNvPr>
+          <p:cNvPr id="3" name="图片 2"/>
           <p:cNvPicPr>
             <a:picLocks noChangeAspect="1"/>
           </p:cNvPicPr>
           <p:nvPr/>
         </p:nvPicPr>
         <p:blipFill>
-          <a:blip r:embed="rId2"/>
+          <a:blip r:embed="rId1"/>
           <a:stretch>
             <a:fillRect/>
           </a:stretch>
@@ -18970,11 +18522,6 @@
         </p:spPr>
       </p:pic>
     </p:spTree>
-    <p:extLst>
-      <p:ext uri="{BB962C8B-B14F-4D97-AF65-F5344CB8AC3E}">
-        <p14:creationId xmlns:p14="http://schemas.microsoft.com/office/powerpoint/2010/main" val="1865793486"/>
-      </p:ext>
-    </p:extLst>
   </p:cSld>
   <p:clrMapOvr>
     <a:masterClrMapping/>
@@ -19144,13 +18691,7 @@
       </p:sp>
       <p:sp>
         <p:nvSpPr>
-          <p:cNvPr id="2" name="文本框 1">
-            <a:extLst>
-              <a:ext uri="{FF2B5EF4-FFF2-40B4-BE49-F238E27FC236}">
-                <a16:creationId xmlns:a16="http://schemas.microsoft.com/office/drawing/2014/main" id="{16B512D6-5C02-4FFA-BD5E-8D82BFAB8AA1}"/>
-              </a:ext>
-            </a:extLst>
-          </p:cNvPr>
+          <p:cNvPr id="2" name="文本框 1"/>
           <p:cNvSpPr txBox="1"/>
           <p:nvPr/>
         </p:nvSpPr>
@@ -19207,11 +18748,6 @@
         </p:txBody>
       </p:sp>
     </p:spTree>
-    <p:extLst>
-      <p:ext uri="{BB962C8B-B14F-4D97-AF65-F5344CB8AC3E}">
-        <p14:creationId xmlns:p14="http://schemas.microsoft.com/office/powerpoint/2010/main" val="2446937402"/>
-      </p:ext>
-    </p:extLst>
   </p:cSld>
   <p:clrMapOvr>
     <a:masterClrMapping/>
@@ -19370,13 +18906,7 @@
       </p:sp>
       <p:sp>
         <p:nvSpPr>
-          <p:cNvPr id="2" name="文本框 1">
-            <a:extLst>
-              <a:ext uri="{FF2B5EF4-FFF2-40B4-BE49-F238E27FC236}">
-                <a16:creationId xmlns:a16="http://schemas.microsoft.com/office/drawing/2014/main" id="{16B512D6-5C02-4FFA-BD5E-8D82BFAB8AA1}"/>
-              </a:ext>
-            </a:extLst>
-          </p:cNvPr>
+          <p:cNvPr id="2" name="文本框 1"/>
           <p:cNvSpPr txBox="1"/>
           <p:nvPr/>
         </p:nvSpPr>
@@ -19406,20 +18936,14 @@
       </p:sp>
       <p:pic>
         <p:nvPicPr>
-          <p:cNvPr id="7" name="图片 6" descr="9AB8}DE8MD6TW8JN88XCN)T">
-            <a:extLst>
-              <a:ext uri="{FF2B5EF4-FFF2-40B4-BE49-F238E27FC236}">
-                <a16:creationId xmlns:a16="http://schemas.microsoft.com/office/drawing/2014/main" id="{00000000-0008-0000-0600-000007000000}"/>
-              </a:ext>
-            </a:extLst>
-          </p:cNvPr>
+          <p:cNvPr id="7" name="图片 6" descr="9AB8}DE8MD6TW8JN88XCN)T"/>
           <p:cNvPicPr>
             <a:picLocks noChangeAspect="1"/>
           </p:cNvPicPr>
           <p:nvPr/>
         </p:nvPicPr>
         <p:blipFill>
-          <a:blip r:embed="rId2"/>
+          <a:blip r:embed="rId1"/>
           <a:stretch>
             <a:fillRect/>
           </a:stretch>
@@ -19435,11 +18959,6 @@
         </p:spPr>
       </p:pic>
     </p:spTree>
-    <p:extLst>
-      <p:ext uri="{BB962C8B-B14F-4D97-AF65-F5344CB8AC3E}">
-        <p14:creationId xmlns:p14="http://schemas.microsoft.com/office/powerpoint/2010/main" val="2774985060"/>
-      </p:ext>
-    </p:extLst>
   </p:cSld>
   <p:clrMapOvr>
     <a:masterClrMapping/>
@@ -19598,13 +19117,7 @@
       </p:sp>
       <p:sp>
         <p:nvSpPr>
-          <p:cNvPr id="2" name="文本框 1">
-            <a:extLst>
-              <a:ext uri="{FF2B5EF4-FFF2-40B4-BE49-F238E27FC236}">
-                <a16:creationId xmlns:a16="http://schemas.microsoft.com/office/drawing/2014/main" id="{16B512D6-5C02-4FFA-BD5E-8D82BFAB8AA1}"/>
-              </a:ext>
-            </a:extLst>
-          </p:cNvPr>
+          <p:cNvPr id="2" name="文本框 1"/>
           <p:cNvSpPr txBox="1"/>
           <p:nvPr/>
         </p:nvSpPr>
@@ -19634,20 +19147,14 @@
       </p:sp>
       <p:pic>
         <p:nvPicPr>
-          <p:cNvPr id="1026" name="Picture 2">
-            <a:extLst>
-              <a:ext uri="{FF2B5EF4-FFF2-40B4-BE49-F238E27FC236}">
-                <a16:creationId xmlns:a16="http://schemas.microsoft.com/office/drawing/2014/main" id="{19D73FE1-8DDF-4902-A98D-ECA6034C2706}"/>
-              </a:ext>
-            </a:extLst>
-          </p:cNvPr>
+          <p:cNvPr id="1026" name="Picture 2"/>
           <p:cNvPicPr>
             <a:picLocks noChangeAspect="1" noChangeArrowheads="1"/>
           </p:cNvPicPr>
           <p:nvPr/>
         </p:nvPicPr>
         <p:blipFill>
-          <a:blip r:embed="rId2">
+          <a:blip r:embed="rId1">
             <a:extLst>
               <a:ext uri="{28A0092B-C50C-407E-A947-70E740481C1C}">
                 <a14:useLocalDpi xmlns:a14="http://schemas.microsoft.com/office/drawing/2010/main" val="0"/>
@@ -19680,11 +19187,6 @@
         </p:spPr>
       </p:pic>
     </p:spTree>
-    <p:extLst>
-      <p:ext uri="{BB962C8B-B14F-4D97-AF65-F5344CB8AC3E}">
-        <p14:creationId xmlns:p14="http://schemas.microsoft.com/office/powerpoint/2010/main" val="1277915002"/>
-      </p:ext>
-    </p:extLst>
   </p:cSld>
   <p:clrMapOvr>
     <a:masterClrMapping/>
@@ -20055,25 +19557,27 @@
               </a:rPr>
               <a:t>Eleven</a:t>
             </a:r>
+            <a:endParaRPr lang="en-US" altLang="zh-CN" dirty="0">
+              <a:solidFill>
+                <a:srgbClr val="8C4306"/>
+              </a:solidFill>
+              <a:latin typeface="微软雅黑" panose="020B0503020204020204" pitchFamily="2" charset="-122"/>
+              <a:ea typeface="微软雅黑" panose="020B0503020204020204" pitchFamily="2" charset="-122"/>
+              <a:sym typeface="微软雅黑" panose="020B0503020204020204" pitchFamily="2" charset="-122"/>
+            </a:endParaRPr>
           </a:p>
         </p:txBody>
       </p:sp>
       <p:pic>
         <p:nvPicPr>
-          <p:cNvPr id="10" name="图片 9" descr="logo">
-            <a:extLst>
-              <a:ext uri="{FF2B5EF4-FFF2-40B4-BE49-F238E27FC236}">
-                <a16:creationId xmlns:a16="http://schemas.microsoft.com/office/drawing/2014/main" id="{1D33B235-1D28-40FD-9BDF-68B121566E7B}"/>
-              </a:ext>
-            </a:extLst>
-          </p:cNvPr>
+          <p:cNvPr id="10" name="图片 9" descr="logo"/>
           <p:cNvPicPr>
             <a:picLocks noChangeAspect="1"/>
           </p:cNvPicPr>
           <p:nvPr/>
         </p:nvPicPr>
         <p:blipFill>
-          <a:blip r:embed="rId2"/>
+          <a:blip r:embed="rId1"/>
           <a:stretch>
             <a:fillRect/>
           </a:stretch>
@@ -20090,13 +19594,7 @@
       </p:pic>
       <p:grpSp>
         <p:nvGrpSpPr>
-          <p:cNvPr id="11" name="组合 10">
-            <a:extLst>
-              <a:ext uri="{FF2B5EF4-FFF2-40B4-BE49-F238E27FC236}">
-                <a16:creationId xmlns:a16="http://schemas.microsoft.com/office/drawing/2014/main" id="{55B098A2-85F8-4A1C-BA40-6D8F1CFDD18E}"/>
-              </a:ext>
-            </a:extLst>
-          </p:cNvPr>
+          <p:cNvPr id="11" name="组合 10"/>
           <p:cNvGrpSpPr/>
           <p:nvPr/>
         </p:nvGrpSpPr>
@@ -20110,13 +19608,7 @@
         </p:grpSpPr>
         <p:sp>
           <p:nvSpPr>
-            <p:cNvPr id="12" name="矩形 1">
-              <a:extLst>
-                <a:ext uri="{FF2B5EF4-FFF2-40B4-BE49-F238E27FC236}">
-                  <a16:creationId xmlns:a16="http://schemas.microsoft.com/office/drawing/2014/main" id="{663DAD56-35F0-4F08-94DE-EE09A0A79C09}"/>
-                </a:ext>
-              </a:extLst>
-            </p:cNvPr>
+            <p:cNvPr id="12" name="矩形 1"/>
             <p:cNvSpPr/>
             <p:nvPr/>
           </p:nvSpPr>
@@ -20153,13 +19645,7 @@
         </p:sp>
         <p:sp>
           <p:nvSpPr>
-            <p:cNvPr id="13" name="矩形 9">
-              <a:extLst>
-                <a:ext uri="{FF2B5EF4-FFF2-40B4-BE49-F238E27FC236}">
-                  <a16:creationId xmlns:a16="http://schemas.microsoft.com/office/drawing/2014/main" id="{135CA461-3BAF-4911-9A28-FAE59A354744}"/>
-                </a:ext>
-              </a:extLst>
-            </p:cNvPr>
+            <p:cNvPr id="13" name="矩形 9"/>
             <p:cNvSpPr/>
             <p:nvPr/>
           </p:nvSpPr>
@@ -20194,26 +19680,28 @@
                 </a:rPr>
                 <a:t>开发进阶，蜕变架构，升职加薪，只争朝夕！</a:t>
               </a:r>
+              <a:endParaRPr lang="zh-CN" altLang="en-US" dirty="0">
+                <a:solidFill>
+                  <a:schemeClr val="bg1"/>
+                </a:solidFill>
+                <a:latin typeface="微软雅黑" panose="020B0503020204020204" pitchFamily="2" charset="-122"/>
+                <a:ea typeface="微软雅黑" panose="020B0503020204020204" pitchFamily="2" charset="-122"/>
+                <a:sym typeface="微软雅黑" panose="020B0503020204020204" pitchFamily="2" charset="-122"/>
+              </a:endParaRPr>
             </a:p>
           </p:txBody>
         </p:sp>
       </p:grpSp>
       <p:pic>
         <p:nvPicPr>
-          <p:cNvPr id="15" name="图片 14">
-            <a:extLst>
-              <a:ext uri="{FF2B5EF4-FFF2-40B4-BE49-F238E27FC236}">
-                <a16:creationId xmlns:a16="http://schemas.microsoft.com/office/drawing/2014/main" id="{DF535480-4C7D-4FF8-B4C4-D61735D3A523}"/>
-              </a:ext>
-            </a:extLst>
-          </p:cNvPr>
+          <p:cNvPr id="15" name="图片 14"/>
           <p:cNvPicPr>
             <a:picLocks noChangeAspect="1"/>
           </p:cNvPicPr>
           <p:nvPr/>
         </p:nvPicPr>
         <p:blipFill>
-          <a:blip r:embed="rId3"/>
+          <a:blip r:embed="rId2"/>
           <a:stretch>
             <a:fillRect/>
           </a:stretch>
@@ -20387,13 +19875,7 @@
       </p:sp>
       <p:sp>
         <p:nvSpPr>
-          <p:cNvPr id="2" name="文本框 1">
-            <a:extLst>
-              <a:ext uri="{FF2B5EF4-FFF2-40B4-BE49-F238E27FC236}">
-                <a16:creationId xmlns:a16="http://schemas.microsoft.com/office/drawing/2014/main" id="{16B512D6-5C02-4FFA-BD5E-8D82BFAB8AA1}"/>
-              </a:ext>
-            </a:extLst>
-          </p:cNvPr>
+          <p:cNvPr id="2" name="文本框 1"/>
           <p:cNvSpPr txBox="1"/>
           <p:nvPr/>
         </p:nvSpPr>
@@ -20450,20 +19932,14 @@
       </p:sp>
       <p:pic>
         <p:nvPicPr>
-          <p:cNvPr id="6" name="图片 5">
-            <a:extLst>
-              <a:ext uri="{FF2B5EF4-FFF2-40B4-BE49-F238E27FC236}">
-                <a16:creationId xmlns:a16="http://schemas.microsoft.com/office/drawing/2014/main" id="{30D52678-3301-4D6F-ADE3-CFBA26F19D6B}"/>
-              </a:ext>
-            </a:extLst>
-          </p:cNvPr>
+          <p:cNvPr id="6" name="图片 5"/>
           <p:cNvPicPr>
             <a:picLocks noChangeAspect="1"/>
           </p:cNvPicPr>
           <p:nvPr/>
         </p:nvPicPr>
         <p:blipFill>
-          <a:blip r:embed="rId2"/>
+          <a:blip r:embed="rId1"/>
           <a:stretch>
             <a:fillRect/>
           </a:stretch>
@@ -20479,11 +19955,6 @@
         </p:spPr>
       </p:pic>
     </p:spTree>
-    <p:extLst>
-      <p:ext uri="{BB962C8B-B14F-4D97-AF65-F5344CB8AC3E}">
-        <p14:creationId xmlns:p14="http://schemas.microsoft.com/office/powerpoint/2010/main" val="2832424062"/>
-      </p:ext>
-    </p:extLst>
   </p:cSld>
   <p:clrMapOvr>
     <a:masterClrMapping/>
@@ -20631,13 +20102,7 @@
       </p:sp>
       <p:sp>
         <p:nvSpPr>
-          <p:cNvPr id="2" name="文本框 1">
-            <a:extLst>
-              <a:ext uri="{FF2B5EF4-FFF2-40B4-BE49-F238E27FC236}">
-                <a16:creationId xmlns:a16="http://schemas.microsoft.com/office/drawing/2014/main" id="{16B512D6-5C02-4FFA-BD5E-8D82BFAB8AA1}"/>
-              </a:ext>
-            </a:extLst>
-          </p:cNvPr>
+          <p:cNvPr id="2" name="文本框 1"/>
           <p:cNvSpPr txBox="1"/>
           <p:nvPr/>
         </p:nvSpPr>
@@ -20713,15 +20178,11 @@
               <a:rPr lang="zh-CN" altLang="en-US" dirty="0"/>
               <a:t>自上而下，微服务自下而上</a:t>
             </a:r>
+            <a:endParaRPr lang="zh-CN" altLang="en-US" dirty="0"/>
           </a:p>
         </p:txBody>
       </p:sp>
     </p:spTree>
-    <p:extLst>
-      <p:ext uri="{BB962C8B-B14F-4D97-AF65-F5344CB8AC3E}">
-        <p14:creationId xmlns:p14="http://schemas.microsoft.com/office/powerpoint/2010/main" val="4046455076"/>
-      </p:ext>
-    </p:extLst>
   </p:cSld>
   <p:clrMapOvr>
     <a:masterClrMapping/>
@@ -20902,13 +20363,7 @@
       </p:sp>
       <p:sp>
         <p:nvSpPr>
-          <p:cNvPr id="2" name="文本框 1">
-            <a:extLst>
-              <a:ext uri="{FF2B5EF4-FFF2-40B4-BE49-F238E27FC236}">
-                <a16:creationId xmlns:a16="http://schemas.microsoft.com/office/drawing/2014/main" id="{16B512D6-5C02-4FFA-BD5E-8D82BFAB8AA1}"/>
-              </a:ext>
-            </a:extLst>
-          </p:cNvPr>
+          <p:cNvPr id="2" name="文本框 1"/>
           <p:cNvSpPr txBox="1"/>
           <p:nvPr/>
         </p:nvSpPr>
@@ -20973,20 +20428,14 @@
       </p:sp>
       <p:pic>
         <p:nvPicPr>
-          <p:cNvPr id="4" name="图片 3">
-            <a:extLst>
-              <a:ext uri="{FF2B5EF4-FFF2-40B4-BE49-F238E27FC236}">
-                <a16:creationId xmlns:a16="http://schemas.microsoft.com/office/drawing/2014/main" id="{45EB5F28-E098-4D12-A119-13A67D7808C6}"/>
-              </a:ext>
-            </a:extLst>
-          </p:cNvPr>
+          <p:cNvPr id="4" name="图片 3"/>
           <p:cNvPicPr>
             <a:picLocks noChangeAspect="1"/>
           </p:cNvPicPr>
           <p:nvPr/>
         </p:nvPicPr>
         <p:blipFill>
-          <a:blip r:embed="rId2"/>
+          <a:blip r:embed="rId1"/>
           <a:stretch>
             <a:fillRect/>
           </a:stretch>
@@ -21002,11 +20451,6 @@
         </p:spPr>
       </p:pic>
     </p:spTree>
-    <p:extLst>
-      <p:ext uri="{BB962C8B-B14F-4D97-AF65-F5344CB8AC3E}">
-        <p14:creationId xmlns:p14="http://schemas.microsoft.com/office/powerpoint/2010/main" val="2270675055"/>
-      </p:ext>
-    </p:extLst>
   </p:cSld>
   <p:clrMapOvr>
     <a:masterClrMapping/>
@@ -21187,13 +20631,7 @@
       </p:sp>
       <p:sp>
         <p:nvSpPr>
-          <p:cNvPr id="2" name="文本框 1">
-            <a:extLst>
-              <a:ext uri="{FF2B5EF4-FFF2-40B4-BE49-F238E27FC236}">
-                <a16:creationId xmlns:a16="http://schemas.microsoft.com/office/drawing/2014/main" id="{16B512D6-5C02-4FFA-BD5E-8D82BFAB8AA1}"/>
-              </a:ext>
-            </a:extLst>
-          </p:cNvPr>
+          <p:cNvPr id="2" name="文本框 1"/>
           <p:cNvSpPr txBox="1"/>
           <p:nvPr/>
         </p:nvSpPr>
@@ -21313,20 +20751,14 @@
       </p:sp>
       <p:pic>
         <p:nvPicPr>
-          <p:cNvPr id="5" name="图片 4">
-            <a:extLst>
-              <a:ext uri="{FF2B5EF4-FFF2-40B4-BE49-F238E27FC236}">
-                <a16:creationId xmlns:a16="http://schemas.microsoft.com/office/drawing/2014/main" id="{38EDB84B-88B3-471E-B21F-79709AD13C33}"/>
-              </a:ext>
-            </a:extLst>
-          </p:cNvPr>
+          <p:cNvPr id="5" name="图片 4"/>
           <p:cNvPicPr>
             <a:picLocks noChangeAspect="1"/>
           </p:cNvPicPr>
           <p:nvPr/>
         </p:nvPicPr>
         <p:blipFill>
-          <a:blip r:embed="rId2"/>
+          <a:blip r:embed="rId1"/>
           <a:stretch>
             <a:fillRect/>
           </a:stretch>
@@ -21342,11 +20774,6 @@
         </p:spPr>
       </p:pic>
     </p:spTree>
-    <p:extLst>
-      <p:ext uri="{BB962C8B-B14F-4D97-AF65-F5344CB8AC3E}">
-        <p14:creationId xmlns:p14="http://schemas.microsoft.com/office/powerpoint/2010/main" val="4017674854"/>
-      </p:ext>
-    </p:extLst>
   </p:cSld>
   <p:clrMapOvr>
     <a:masterClrMapping/>
@@ -21358,13 +20785,59 @@
 </file>
 
 <file path=ppt/tags/tag1.xml><?xml version="1.0" encoding="utf-8"?>
-<p:tagLst xmlns:a="http://schemas.openxmlformats.org/drawingml/2006/main" xmlns:r="http://schemas.openxmlformats.org/officeDocument/2006/relationships" xmlns:p="http://schemas.openxmlformats.org/presentationml/2006/main">
+<p:tagLst xmlns:p="http://schemas.openxmlformats.org/presentationml/2006/main">
   <p:tag name="KSO_WM_UNIT_TEXTBOXSTYLE_GUID" val="{b0e81210-372f-4e86-adbd-78e4571f1544}"/>
 </p:tagLst>
 </file>
 
 <file path=ppt/tags/tag10.xml><?xml version="1.0" encoding="utf-8"?>
-<p:tagLst xmlns:a="http://schemas.openxmlformats.org/drawingml/2006/main" xmlns:r="http://schemas.openxmlformats.org/officeDocument/2006/relationships" xmlns:p="http://schemas.openxmlformats.org/presentationml/2006/main">
+<p:tagLst xmlns:p="http://schemas.openxmlformats.org/presentationml/2006/main">
+  <p:tag name="KSO_WM_UNIT_TEXTBOXSTYLE_SHAPETYPE" val="1"/>
+  <p:tag name="KSO_WM_UNIT_TEXTBOXSTYLE_ADJUSTLEFT" val="0_-15.75"/>
+  <p:tag name="KSO_WM_UNIT_TEXTBOXSTYLE_ADJUSTTOP" val="0_-11.85001"/>
+  <p:tag name="KSO_WM_UNIT_TEXTBOXSTYLE_ADJUSTWIDTH" val="100_51.5"/>
+  <p:tag name="KSO_WM_UNIT_TEXTBOXSTYLE_ADJUSTHEIGTH" val="100_38.14999"/>
+  <p:tag name="KSO_WM_UNIT_HIGHLIGHT" val="0"/>
+  <p:tag name="KSO_WM_UNIT_COMPATIBLE" val="0"/>
+  <p:tag name="KSO_WM_UNIT_DIAGRAM_ISNUMVISUAL" val="0"/>
+  <p:tag name="KSO_WM_UNIT_DIAGRAM_ISREFERUNIT" val="0"/>
+  <p:tag name="KSO_WM_UNIT_TYPE" val="i"/>
+  <p:tag name="KSO_WM_UNIT_INDEX" val="1"/>
+  <p:tag name="KSO_WM_UNIT_ID" val="mixed20201907_222*i*1"/>
+  <p:tag name="KSO_WM_TEMPLATE_CATEGORY" val="mixed"/>
+  <p:tag name="KSO_WM_TEMPLATE_INDEX" val="20201907"/>
+  <p:tag name="KSO_WM_UNIT_LAYERLEVEL" val="1"/>
+  <p:tag name="KSO_WM_TAG_VERSION" val="1.0"/>
+  <p:tag name="KSO_WM_BEAUTIFY_FLAG" val="#wm#"/>
+  <p:tag name="KSO_WM_UNIT_TEXTBOXSTYLE_GUID" val="{b0e81210-372f-4e86-adbd-78e4571f1544}"/>
+</p:tagLst>
+</file>
+
+<file path=ppt/tags/tag11.xml><?xml version="1.0" encoding="utf-8"?>
+<p:tagLst xmlns:p="http://schemas.openxmlformats.org/presentationml/2006/main">
+  <p:tag name="KSO_WM_UNIT_TEXTBOXSTYLE_SHAPETYPE" val="1"/>
+  <p:tag name="KSO_WM_UNIT_TEXTBOXSTYLE_ADJUSTLEFT" val="0_-25.75"/>
+  <p:tag name="KSO_WM_UNIT_TEXTBOXSTYLE_ADJUSTTOP" val="0_-19.10001"/>
+  <p:tag name="KSO_WM_UNIT_TEXTBOXSTYLE_ADJUSTWIDTH" val="100_51.5"/>
+  <p:tag name="KSO_WM_UNIT_TEXTBOXSTYLE_ADJUSTHEIGTH" val="100_38.14999"/>
+  <p:tag name="KSO_WM_UNIT_HIGHLIGHT" val="0"/>
+  <p:tag name="KSO_WM_UNIT_COMPATIBLE" val="0"/>
+  <p:tag name="KSO_WM_UNIT_DIAGRAM_ISNUMVISUAL" val="0"/>
+  <p:tag name="KSO_WM_UNIT_DIAGRAM_ISREFERUNIT" val="0"/>
+  <p:tag name="KSO_WM_UNIT_TYPE" val="i"/>
+  <p:tag name="KSO_WM_UNIT_INDEX" val="2"/>
+  <p:tag name="KSO_WM_UNIT_ID" val="mixed20201907_222*i*2"/>
+  <p:tag name="KSO_WM_TEMPLATE_CATEGORY" val="mixed"/>
+  <p:tag name="KSO_WM_TEMPLATE_INDEX" val="20201907"/>
+  <p:tag name="KSO_WM_UNIT_LAYERLEVEL" val="1"/>
+  <p:tag name="KSO_WM_TAG_VERSION" val="1.0"/>
+  <p:tag name="KSO_WM_BEAUTIFY_FLAG" val="#wm#"/>
+  <p:tag name="KSO_WM_UNIT_TEXTBOXSTYLE_GUID" val="{b0e81210-372f-4e86-adbd-78e4571f1544}"/>
+</p:tagLst>
+</file>
+
+<file path=ppt/tags/tag12.xml><?xml version="1.0" encoding="utf-8"?>
+<p:tagLst xmlns:p="http://schemas.openxmlformats.org/presentationml/2006/main">
   <p:tag name="KSO_WM_UNIT_TEXTBOXSTYLE_SHAPETYPE" val="0"/>
   <p:tag name="KSO_WM_UNIT_TEXTBOXSTYLE_TEMPLATETYPE" val="1"/>
   <p:tag name="KSO_WM_UNIT_PRESET_TEXT" val="点击此处添加标题：&#10;您的正文已经经简明扼要，字字珠玑。&#10;您的正文已经经简明扼要，字字珠玑。&#10;您的正文已经经简明扼要，字字珠玑。&#10;您的正文已经经简明扼要，字字珠玑。"/>
@@ -21388,8 +20861,14 @@
 </p:tagLst>
 </file>
 
-<file path=ppt/tags/tag11.xml><?xml version="1.0" encoding="utf-8"?>
-<p:tagLst xmlns:a="http://schemas.openxmlformats.org/drawingml/2006/main" xmlns:r="http://schemas.openxmlformats.org/officeDocument/2006/relationships" xmlns:p="http://schemas.openxmlformats.org/presentationml/2006/main">
+<file path=ppt/tags/tag13.xml><?xml version="1.0" encoding="utf-8"?>
+<p:tagLst xmlns:p="http://schemas.openxmlformats.org/presentationml/2006/main">
+  <p:tag name="KSO_WM_UNIT_TEXTBOXSTYLE_GUID" val="{b0e81210-372f-4e86-adbd-78e4571f1544}"/>
+</p:tagLst>
+</file>
+
+<file path=ppt/tags/tag14.xml><?xml version="1.0" encoding="utf-8"?>
+<p:tagLst xmlns:p="http://schemas.openxmlformats.org/presentationml/2006/main">
   <p:tag name="KSO_WM_UNIT_TEXTBOXSTYLE_SHAPETYPE" val="1"/>
   <p:tag name="KSO_WM_UNIT_TEXTBOXSTYLE_ADJUSTLEFT" val="0_-15.75"/>
   <p:tag name="KSO_WM_UNIT_TEXTBOXSTYLE_ADJUSTTOP" val="0_-11.85001"/>
@@ -21411,8 +20890,8 @@
 </p:tagLst>
 </file>
 
-<file path=ppt/tags/tag12.xml><?xml version="1.0" encoding="utf-8"?>
-<p:tagLst xmlns:a="http://schemas.openxmlformats.org/drawingml/2006/main" xmlns:r="http://schemas.openxmlformats.org/officeDocument/2006/relationships" xmlns:p="http://schemas.openxmlformats.org/presentationml/2006/main">
+<file path=ppt/tags/tag15.xml><?xml version="1.0" encoding="utf-8"?>
+<p:tagLst xmlns:p="http://schemas.openxmlformats.org/presentationml/2006/main">
   <p:tag name="KSO_WM_UNIT_TEXTBOXSTYLE_SHAPETYPE" val="1"/>
   <p:tag name="KSO_WM_UNIT_TEXTBOXSTYLE_ADJUSTLEFT" val="0_-25.75"/>
   <p:tag name="KSO_WM_UNIT_TEXTBOXSTYLE_ADJUSTTOP" val="0_-19.10001"/>
@@ -21434,14 +20913,8 @@
 </p:tagLst>
 </file>
 
-<file path=ppt/tags/tag13.xml><?xml version="1.0" encoding="utf-8"?>
-<p:tagLst xmlns:a="http://schemas.openxmlformats.org/drawingml/2006/main" xmlns:r="http://schemas.openxmlformats.org/officeDocument/2006/relationships" xmlns:p="http://schemas.openxmlformats.org/presentationml/2006/main">
-  <p:tag name="KSO_WM_UNIT_TEXTBOXSTYLE_GUID" val="{b0e81210-372f-4e86-adbd-78e4571f1544}"/>
-</p:tagLst>
-</file>
-
-<file path=ppt/tags/tag14.xml><?xml version="1.0" encoding="utf-8"?>
-<p:tagLst xmlns:a="http://schemas.openxmlformats.org/drawingml/2006/main" xmlns:r="http://schemas.openxmlformats.org/officeDocument/2006/relationships" xmlns:p="http://schemas.openxmlformats.org/presentationml/2006/main">
+<file path=ppt/tags/tag16.xml><?xml version="1.0" encoding="utf-8"?>
+<p:tagLst xmlns:p="http://schemas.openxmlformats.org/presentationml/2006/main">
   <p:tag name="KSO_WM_UNIT_TEXTBOXSTYLE_SHAPETYPE" val="0"/>
   <p:tag name="KSO_WM_UNIT_TEXTBOXSTYLE_TEMPLATETYPE" val="1"/>
   <p:tag name="KSO_WM_UNIT_PRESET_TEXT" val="点击此处添加标题：&#10;您的正文已经经简明扼要，字字珠玑。&#10;您的正文已经经简明扼要，字字珠玑。&#10;您的正文已经经简明扼要，字字珠玑。&#10;您的正文已经经简明扼要，字字珠玑。"/>
@@ -21465,8 +20938,14 @@
 </p:tagLst>
 </file>
 
-<file path=ppt/tags/tag15.xml><?xml version="1.0" encoding="utf-8"?>
-<p:tagLst xmlns:a="http://schemas.openxmlformats.org/drawingml/2006/main" xmlns:r="http://schemas.openxmlformats.org/officeDocument/2006/relationships" xmlns:p="http://schemas.openxmlformats.org/presentationml/2006/main">
+<file path=ppt/tags/tag17.xml><?xml version="1.0" encoding="utf-8"?>
+<p:tagLst xmlns:p="http://schemas.openxmlformats.org/presentationml/2006/main">
+  <p:tag name="KSO_WM_UNIT_TEXTBOXSTYLE_GUID" val="{b0e81210-372f-4e86-adbd-78e4571f1544}"/>
+</p:tagLst>
+</file>
+
+<file path=ppt/tags/tag18.xml><?xml version="1.0" encoding="utf-8"?>
+<p:tagLst xmlns:p="http://schemas.openxmlformats.org/presentationml/2006/main">
   <p:tag name="KSO_WM_UNIT_TEXTBOXSTYLE_SHAPETYPE" val="1"/>
   <p:tag name="KSO_WM_UNIT_TEXTBOXSTYLE_ADJUSTLEFT" val="0_-15.75"/>
   <p:tag name="KSO_WM_UNIT_TEXTBOXSTYLE_ADJUSTTOP" val="0_-11.85001"/>
@@ -21488,8 +20967,8 @@
 </p:tagLst>
 </file>
 
-<file path=ppt/tags/tag16.xml><?xml version="1.0" encoding="utf-8"?>
-<p:tagLst xmlns:a="http://schemas.openxmlformats.org/drawingml/2006/main" xmlns:r="http://schemas.openxmlformats.org/officeDocument/2006/relationships" xmlns:p="http://schemas.openxmlformats.org/presentationml/2006/main">
+<file path=ppt/tags/tag19.xml><?xml version="1.0" encoding="utf-8"?>
+<p:tagLst xmlns:p="http://schemas.openxmlformats.org/presentationml/2006/main">
   <p:tag name="KSO_WM_UNIT_TEXTBOXSTYLE_SHAPETYPE" val="1"/>
   <p:tag name="KSO_WM_UNIT_TEXTBOXSTYLE_ADJUSTLEFT" val="0_-25.75"/>
   <p:tag name="KSO_WM_UNIT_TEXTBOXSTYLE_ADJUSTTOP" val="0_-19.10001"/>
@@ -21511,14 +20990,31 @@
 </p:tagLst>
 </file>
 
-<file path=ppt/tags/tag17.xml><?xml version="1.0" encoding="utf-8"?>
-<p:tagLst xmlns:a="http://schemas.openxmlformats.org/drawingml/2006/main" xmlns:r="http://schemas.openxmlformats.org/officeDocument/2006/relationships" xmlns:p="http://schemas.openxmlformats.org/presentationml/2006/main">
+<file path=ppt/tags/tag2.xml><?xml version="1.0" encoding="utf-8"?>
+<p:tagLst xmlns:p="http://schemas.openxmlformats.org/presentationml/2006/main">
+  <p:tag name="KSO_WM_UNIT_TEXTBOXSTYLE_SHAPETYPE" val="1"/>
+  <p:tag name="KSO_WM_UNIT_TEXTBOXSTYLE_ADJUSTLEFT" val="0_-15.75"/>
+  <p:tag name="KSO_WM_UNIT_TEXTBOXSTYLE_ADJUSTTOP" val="0_-11.85001"/>
+  <p:tag name="KSO_WM_UNIT_TEXTBOXSTYLE_ADJUSTWIDTH" val="100_51.5"/>
+  <p:tag name="KSO_WM_UNIT_TEXTBOXSTYLE_ADJUSTHEIGTH" val="100_38.14999"/>
+  <p:tag name="KSO_WM_UNIT_HIGHLIGHT" val="0"/>
+  <p:tag name="KSO_WM_UNIT_COMPATIBLE" val="0"/>
+  <p:tag name="KSO_WM_UNIT_DIAGRAM_ISNUMVISUAL" val="0"/>
+  <p:tag name="KSO_WM_UNIT_DIAGRAM_ISREFERUNIT" val="0"/>
+  <p:tag name="KSO_WM_UNIT_TYPE" val="i"/>
+  <p:tag name="KSO_WM_UNIT_INDEX" val="1"/>
+  <p:tag name="KSO_WM_UNIT_ID" val="mixed20201907_222*i*1"/>
+  <p:tag name="KSO_WM_TEMPLATE_CATEGORY" val="mixed"/>
+  <p:tag name="KSO_WM_TEMPLATE_INDEX" val="20201907"/>
+  <p:tag name="KSO_WM_UNIT_LAYERLEVEL" val="1"/>
+  <p:tag name="KSO_WM_TAG_VERSION" val="1.0"/>
+  <p:tag name="KSO_WM_BEAUTIFY_FLAG" val="#wm#"/>
   <p:tag name="KSO_WM_UNIT_TEXTBOXSTYLE_GUID" val="{b0e81210-372f-4e86-adbd-78e4571f1544}"/>
 </p:tagLst>
 </file>
 
-<file path=ppt/tags/tag18.xml><?xml version="1.0" encoding="utf-8"?>
-<p:tagLst xmlns:a="http://schemas.openxmlformats.org/drawingml/2006/main" xmlns:r="http://schemas.openxmlformats.org/officeDocument/2006/relationships" xmlns:p="http://schemas.openxmlformats.org/presentationml/2006/main">
+<file path=ppt/tags/tag20.xml><?xml version="1.0" encoding="utf-8"?>
+<p:tagLst xmlns:p="http://schemas.openxmlformats.org/presentationml/2006/main">
   <p:tag name="KSO_WM_UNIT_TEXTBOXSTYLE_SHAPETYPE" val="0"/>
   <p:tag name="KSO_WM_UNIT_TEXTBOXSTYLE_TEMPLATETYPE" val="1"/>
   <p:tag name="KSO_WM_UNIT_PRESET_TEXT" val="点击此处添加标题：&#10;您的正文已经经简明扼要，字字珠玑。&#10;您的正文已经经简明扼要，字字珠玑。&#10;您的正文已经经简明扼要，字字珠玑。&#10;您的正文已经经简明扼要，字字珠玑。"/>
@@ -21542,11 +21038,11 @@
 </p:tagLst>
 </file>
 
-<file path=ppt/tags/tag19.xml><?xml version="1.0" encoding="utf-8"?>
-<p:tagLst xmlns:a="http://schemas.openxmlformats.org/drawingml/2006/main" xmlns:r="http://schemas.openxmlformats.org/officeDocument/2006/relationships" xmlns:p="http://schemas.openxmlformats.org/presentationml/2006/main">
+<file path=ppt/tags/tag3.xml><?xml version="1.0" encoding="utf-8"?>
+<p:tagLst xmlns:p="http://schemas.openxmlformats.org/presentationml/2006/main">
   <p:tag name="KSO_WM_UNIT_TEXTBOXSTYLE_SHAPETYPE" val="1"/>
-  <p:tag name="KSO_WM_UNIT_TEXTBOXSTYLE_ADJUSTLEFT" val="0_-15.75"/>
-  <p:tag name="KSO_WM_UNIT_TEXTBOXSTYLE_ADJUSTTOP" val="0_-11.85001"/>
+  <p:tag name="KSO_WM_UNIT_TEXTBOXSTYLE_ADJUSTLEFT" val="0_-25.75"/>
+  <p:tag name="KSO_WM_UNIT_TEXTBOXSTYLE_ADJUSTTOP" val="0_-19.10001"/>
   <p:tag name="KSO_WM_UNIT_TEXTBOXSTYLE_ADJUSTWIDTH" val="100_51.5"/>
   <p:tag name="KSO_WM_UNIT_TEXTBOXSTYLE_ADJUSTHEIGTH" val="100_38.14999"/>
   <p:tag name="KSO_WM_UNIT_HIGHLIGHT" val="0"/>
@@ -21554,8 +21050,8 @@
   <p:tag name="KSO_WM_UNIT_DIAGRAM_ISNUMVISUAL" val="0"/>
   <p:tag name="KSO_WM_UNIT_DIAGRAM_ISREFERUNIT" val="0"/>
   <p:tag name="KSO_WM_UNIT_TYPE" val="i"/>
-  <p:tag name="KSO_WM_UNIT_INDEX" val="1"/>
-  <p:tag name="KSO_WM_UNIT_ID" val="mixed20201907_222*i*1"/>
+  <p:tag name="KSO_WM_UNIT_INDEX" val="2"/>
+  <p:tag name="KSO_WM_UNIT_ID" val="mixed20201907_222*i*2"/>
   <p:tag name="KSO_WM_TEMPLATE_CATEGORY" val="mixed"/>
   <p:tag name="KSO_WM_TEMPLATE_INDEX" val="20201907"/>
   <p:tag name="KSO_WM_UNIT_LAYERLEVEL" val="1"/>
@@ -21565,8 +21061,8 @@
 </p:tagLst>
 </file>
 
-<file path=ppt/tags/tag2.xml><?xml version="1.0" encoding="utf-8"?>
-<p:tagLst xmlns:a="http://schemas.openxmlformats.org/drawingml/2006/main" xmlns:r="http://schemas.openxmlformats.org/officeDocument/2006/relationships" xmlns:p="http://schemas.openxmlformats.org/presentationml/2006/main">
+<file path=ppt/tags/tag4.xml><?xml version="1.0" encoding="utf-8"?>
+<p:tagLst xmlns:p="http://schemas.openxmlformats.org/presentationml/2006/main">
   <p:tag name="KSO_WM_UNIT_TEXTBOXSTYLE_SHAPETYPE" val="0"/>
   <p:tag name="KSO_WM_UNIT_TEXTBOXSTYLE_TEMPLATETYPE" val="1"/>
   <p:tag name="KSO_WM_UNIT_PRESET_TEXT" val="点击此处添加标题：&#10;您的正文已经经简明扼要，字字珠玑。&#10;您的正文已经经简明扼要，字字珠玑。&#10;您的正文已经经简明扼要，字字珠玑。&#10;您的正文已经经简明扼要，字字珠玑。"/>
@@ -21590,8 +21086,37 @@
 </p:tagLst>
 </file>
 
-<file path=ppt/tags/tag20.xml><?xml version="1.0" encoding="utf-8"?>
-<p:tagLst xmlns:a="http://schemas.openxmlformats.org/drawingml/2006/main" xmlns:r="http://schemas.openxmlformats.org/officeDocument/2006/relationships" xmlns:p="http://schemas.openxmlformats.org/presentationml/2006/main">
+<file path=ppt/tags/tag5.xml><?xml version="1.0" encoding="utf-8"?>
+<p:tagLst xmlns:p="http://schemas.openxmlformats.org/presentationml/2006/main">
+  <p:tag name="KSO_WM_UNIT_TEXTBOXSTYLE_GUID" val="{b0e81210-372f-4e86-adbd-78e4571f1544}"/>
+</p:tagLst>
+</file>
+
+<file path=ppt/tags/tag6.xml><?xml version="1.0" encoding="utf-8"?>
+<p:tagLst xmlns:p="http://schemas.openxmlformats.org/presentationml/2006/main">
+  <p:tag name="KSO_WM_UNIT_TEXTBOXSTYLE_SHAPETYPE" val="1"/>
+  <p:tag name="KSO_WM_UNIT_TEXTBOXSTYLE_ADJUSTLEFT" val="0_-15.75"/>
+  <p:tag name="KSO_WM_UNIT_TEXTBOXSTYLE_ADJUSTTOP" val="0_-11.85001"/>
+  <p:tag name="KSO_WM_UNIT_TEXTBOXSTYLE_ADJUSTWIDTH" val="100_51.5"/>
+  <p:tag name="KSO_WM_UNIT_TEXTBOXSTYLE_ADJUSTHEIGTH" val="100_38.14999"/>
+  <p:tag name="KSO_WM_UNIT_HIGHLIGHT" val="0"/>
+  <p:tag name="KSO_WM_UNIT_COMPATIBLE" val="0"/>
+  <p:tag name="KSO_WM_UNIT_DIAGRAM_ISNUMVISUAL" val="0"/>
+  <p:tag name="KSO_WM_UNIT_DIAGRAM_ISREFERUNIT" val="0"/>
+  <p:tag name="KSO_WM_UNIT_TYPE" val="i"/>
+  <p:tag name="KSO_WM_UNIT_INDEX" val="1"/>
+  <p:tag name="KSO_WM_UNIT_ID" val="mixed20201907_222*i*1"/>
+  <p:tag name="KSO_WM_TEMPLATE_CATEGORY" val="mixed"/>
+  <p:tag name="KSO_WM_TEMPLATE_INDEX" val="20201907"/>
+  <p:tag name="KSO_WM_UNIT_LAYERLEVEL" val="1"/>
+  <p:tag name="KSO_WM_TAG_VERSION" val="1.0"/>
+  <p:tag name="KSO_WM_BEAUTIFY_FLAG" val="#wm#"/>
+  <p:tag name="KSO_WM_UNIT_TEXTBOXSTYLE_GUID" val="{b0e81210-372f-4e86-adbd-78e4571f1544}"/>
+</p:tagLst>
+</file>
+
+<file path=ppt/tags/tag7.xml><?xml version="1.0" encoding="utf-8"?>
+<p:tagLst xmlns:p="http://schemas.openxmlformats.org/presentationml/2006/main">
   <p:tag name="KSO_WM_UNIT_TEXTBOXSTYLE_SHAPETYPE" val="1"/>
   <p:tag name="KSO_WM_UNIT_TEXTBOXSTYLE_ADJUSTLEFT" val="0_-25.75"/>
   <p:tag name="KSO_WM_UNIT_TEXTBOXSTYLE_ADJUSTTOP" val="0_-19.10001"/>
@@ -21613,60 +21138,8 @@
 </p:tagLst>
 </file>
 
-<file path=ppt/tags/tag3.xml><?xml version="1.0" encoding="utf-8"?>
-<p:tagLst xmlns:a="http://schemas.openxmlformats.org/drawingml/2006/main" xmlns:r="http://schemas.openxmlformats.org/officeDocument/2006/relationships" xmlns:p="http://schemas.openxmlformats.org/presentationml/2006/main">
-  <p:tag name="KSO_WM_UNIT_TEXTBOXSTYLE_SHAPETYPE" val="1"/>
-  <p:tag name="KSO_WM_UNIT_TEXTBOXSTYLE_ADJUSTLEFT" val="0_-15.75"/>
-  <p:tag name="KSO_WM_UNIT_TEXTBOXSTYLE_ADJUSTTOP" val="0_-11.85001"/>
-  <p:tag name="KSO_WM_UNIT_TEXTBOXSTYLE_ADJUSTWIDTH" val="100_51.5"/>
-  <p:tag name="KSO_WM_UNIT_TEXTBOXSTYLE_ADJUSTHEIGTH" val="100_38.14999"/>
-  <p:tag name="KSO_WM_UNIT_HIGHLIGHT" val="0"/>
-  <p:tag name="KSO_WM_UNIT_COMPATIBLE" val="0"/>
-  <p:tag name="KSO_WM_UNIT_DIAGRAM_ISNUMVISUAL" val="0"/>
-  <p:tag name="KSO_WM_UNIT_DIAGRAM_ISREFERUNIT" val="0"/>
-  <p:tag name="KSO_WM_UNIT_TYPE" val="i"/>
-  <p:tag name="KSO_WM_UNIT_INDEX" val="1"/>
-  <p:tag name="KSO_WM_UNIT_ID" val="mixed20201907_222*i*1"/>
-  <p:tag name="KSO_WM_TEMPLATE_CATEGORY" val="mixed"/>
-  <p:tag name="KSO_WM_TEMPLATE_INDEX" val="20201907"/>
-  <p:tag name="KSO_WM_UNIT_LAYERLEVEL" val="1"/>
-  <p:tag name="KSO_WM_TAG_VERSION" val="1.0"/>
-  <p:tag name="KSO_WM_BEAUTIFY_FLAG" val="#wm#"/>
-  <p:tag name="KSO_WM_UNIT_TEXTBOXSTYLE_GUID" val="{b0e81210-372f-4e86-adbd-78e4571f1544}"/>
-</p:tagLst>
-</file>
-
-<file path=ppt/tags/tag4.xml><?xml version="1.0" encoding="utf-8"?>
-<p:tagLst xmlns:a="http://schemas.openxmlformats.org/drawingml/2006/main" xmlns:r="http://schemas.openxmlformats.org/officeDocument/2006/relationships" xmlns:p="http://schemas.openxmlformats.org/presentationml/2006/main">
-  <p:tag name="KSO_WM_UNIT_TEXTBOXSTYLE_SHAPETYPE" val="1"/>
-  <p:tag name="KSO_WM_UNIT_TEXTBOXSTYLE_ADJUSTLEFT" val="0_-25.75"/>
-  <p:tag name="KSO_WM_UNIT_TEXTBOXSTYLE_ADJUSTTOP" val="0_-19.10001"/>
-  <p:tag name="KSO_WM_UNIT_TEXTBOXSTYLE_ADJUSTWIDTH" val="100_51.5"/>
-  <p:tag name="KSO_WM_UNIT_TEXTBOXSTYLE_ADJUSTHEIGTH" val="100_38.14999"/>
-  <p:tag name="KSO_WM_UNIT_HIGHLIGHT" val="0"/>
-  <p:tag name="KSO_WM_UNIT_COMPATIBLE" val="0"/>
-  <p:tag name="KSO_WM_UNIT_DIAGRAM_ISNUMVISUAL" val="0"/>
-  <p:tag name="KSO_WM_UNIT_DIAGRAM_ISREFERUNIT" val="0"/>
-  <p:tag name="KSO_WM_UNIT_TYPE" val="i"/>
-  <p:tag name="KSO_WM_UNIT_INDEX" val="2"/>
-  <p:tag name="KSO_WM_UNIT_ID" val="mixed20201907_222*i*2"/>
-  <p:tag name="KSO_WM_TEMPLATE_CATEGORY" val="mixed"/>
-  <p:tag name="KSO_WM_TEMPLATE_INDEX" val="20201907"/>
-  <p:tag name="KSO_WM_UNIT_LAYERLEVEL" val="1"/>
-  <p:tag name="KSO_WM_TAG_VERSION" val="1.0"/>
-  <p:tag name="KSO_WM_BEAUTIFY_FLAG" val="#wm#"/>
-  <p:tag name="KSO_WM_UNIT_TEXTBOXSTYLE_GUID" val="{b0e81210-372f-4e86-adbd-78e4571f1544}"/>
-</p:tagLst>
-</file>
-
-<file path=ppt/tags/tag5.xml><?xml version="1.0" encoding="utf-8"?>
-<p:tagLst xmlns:a="http://schemas.openxmlformats.org/drawingml/2006/main" xmlns:r="http://schemas.openxmlformats.org/officeDocument/2006/relationships" xmlns:p="http://schemas.openxmlformats.org/presentationml/2006/main">
-  <p:tag name="KSO_WM_UNIT_TEXTBOXSTYLE_GUID" val="{b0e81210-372f-4e86-adbd-78e4571f1544}"/>
-</p:tagLst>
-</file>
-
-<file path=ppt/tags/tag6.xml><?xml version="1.0" encoding="utf-8"?>
-<p:tagLst xmlns:a="http://schemas.openxmlformats.org/drawingml/2006/main" xmlns:r="http://schemas.openxmlformats.org/officeDocument/2006/relationships" xmlns:p="http://schemas.openxmlformats.org/presentationml/2006/main">
+<file path=ppt/tags/tag8.xml><?xml version="1.0" encoding="utf-8"?>
+<p:tagLst xmlns:p="http://schemas.openxmlformats.org/presentationml/2006/main">
   <p:tag name="KSO_WM_UNIT_TEXTBOXSTYLE_SHAPETYPE" val="0"/>
   <p:tag name="KSO_WM_UNIT_TEXTBOXSTYLE_TEMPLATETYPE" val="1"/>
   <p:tag name="KSO_WM_UNIT_PRESET_TEXT" val="点击此处添加标题：&#10;您的正文已经经简明扼要，字字珠玑。&#10;您的正文已经经简明扼要，字字珠玑。&#10;您的正文已经经简明扼要，字字珠玑。&#10;您的正文已经经简明扼要，字字珠玑。"/>
@@ -21690,54 +21163,8 @@
 </p:tagLst>
 </file>
 
-<file path=ppt/tags/tag7.xml><?xml version="1.0" encoding="utf-8"?>
-<p:tagLst xmlns:a="http://schemas.openxmlformats.org/drawingml/2006/main" xmlns:r="http://schemas.openxmlformats.org/officeDocument/2006/relationships" xmlns:p="http://schemas.openxmlformats.org/presentationml/2006/main">
-  <p:tag name="KSO_WM_UNIT_TEXTBOXSTYLE_SHAPETYPE" val="1"/>
-  <p:tag name="KSO_WM_UNIT_TEXTBOXSTYLE_ADJUSTLEFT" val="0_-15.75"/>
-  <p:tag name="KSO_WM_UNIT_TEXTBOXSTYLE_ADJUSTTOP" val="0_-11.85001"/>
-  <p:tag name="KSO_WM_UNIT_TEXTBOXSTYLE_ADJUSTWIDTH" val="100_51.5"/>
-  <p:tag name="KSO_WM_UNIT_TEXTBOXSTYLE_ADJUSTHEIGTH" val="100_38.14999"/>
-  <p:tag name="KSO_WM_UNIT_HIGHLIGHT" val="0"/>
-  <p:tag name="KSO_WM_UNIT_COMPATIBLE" val="0"/>
-  <p:tag name="KSO_WM_UNIT_DIAGRAM_ISNUMVISUAL" val="0"/>
-  <p:tag name="KSO_WM_UNIT_DIAGRAM_ISREFERUNIT" val="0"/>
-  <p:tag name="KSO_WM_UNIT_TYPE" val="i"/>
-  <p:tag name="KSO_WM_UNIT_INDEX" val="1"/>
-  <p:tag name="KSO_WM_UNIT_ID" val="mixed20201907_222*i*1"/>
-  <p:tag name="KSO_WM_TEMPLATE_CATEGORY" val="mixed"/>
-  <p:tag name="KSO_WM_TEMPLATE_INDEX" val="20201907"/>
-  <p:tag name="KSO_WM_UNIT_LAYERLEVEL" val="1"/>
-  <p:tag name="KSO_WM_TAG_VERSION" val="1.0"/>
-  <p:tag name="KSO_WM_BEAUTIFY_FLAG" val="#wm#"/>
-  <p:tag name="KSO_WM_UNIT_TEXTBOXSTYLE_GUID" val="{b0e81210-372f-4e86-adbd-78e4571f1544}"/>
-</p:tagLst>
-</file>
-
-<file path=ppt/tags/tag8.xml><?xml version="1.0" encoding="utf-8"?>
-<p:tagLst xmlns:a="http://schemas.openxmlformats.org/drawingml/2006/main" xmlns:r="http://schemas.openxmlformats.org/officeDocument/2006/relationships" xmlns:p="http://schemas.openxmlformats.org/presentationml/2006/main">
-  <p:tag name="KSO_WM_UNIT_TEXTBOXSTYLE_SHAPETYPE" val="1"/>
-  <p:tag name="KSO_WM_UNIT_TEXTBOXSTYLE_ADJUSTLEFT" val="0_-25.75"/>
-  <p:tag name="KSO_WM_UNIT_TEXTBOXSTYLE_ADJUSTTOP" val="0_-19.10001"/>
-  <p:tag name="KSO_WM_UNIT_TEXTBOXSTYLE_ADJUSTWIDTH" val="100_51.5"/>
-  <p:tag name="KSO_WM_UNIT_TEXTBOXSTYLE_ADJUSTHEIGTH" val="100_38.14999"/>
-  <p:tag name="KSO_WM_UNIT_HIGHLIGHT" val="0"/>
-  <p:tag name="KSO_WM_UNIT_COMPATIBLE" val="0"/>
-  <p:tag name="KSO_WM_UNIT_DIAGRAM_ISNUMVISUAL" val="0"/>
-  <p:tag name="KSO_WM_UNIT_DIAGRAM_ISREFERUNIT" val="0"/>
-  <p:tag name="KSO_WM_UNIT_TYPE" val="i"/>
-  <p:tag name="KSO_WM_UNIT_INDEX" val="2"/>
-  <p:tag name="KSO_WM_UNIT_ID" val="mixed20201907_222*i*2"/>
-  <p:tag name="KSO_WM_TEMPLATE_CATEGORY" val="mixed"/>
-  <p:tag name="KSO_WM_TEMPLATE_INDEX" val="20201907"/>
-  <p:tag name="KSO_WM_UNIT_LAYERLEVEL" val="1"/>
-  <p:tag name="KSO_WM_TAG_VERSION" val="1.0"/>
-  <p:tag name="KSO_WM_BEAUTIFY_FLAG" val="#wm#"/>
-  <p:tag name="KSO_WM_UNIT_TEXTBOXSTYLE_GUID" val="{b0e81210-372f-4e86-adbd-78e4571f1544}"/>
-</p:tagLst>
-</file>
-
 <file path=ppt/tags/tag9.xml><?xml version="1.0" encoding="utf-8"?>
-<p:tagLst xmlns:a="http://schemas.openxmlformats.org/drawingml/2006/main" xmlns:r="http://schemas.openxmlformats.org/officeDocument/2006/relationships" xmlns:p="http://schemas.openxmlformats.org/presentationml/2006/main">
+<p:tagLst xmlns:p="http://schemas.openxmlformats.org/presentationml/2006/main">
   <p:tag name="KSO_WM_UNIT_TEXTBOXSTYLE_GUID" val="{b0e81210-372f-4e86-adbd-78e4571f1544}"/>
 </p:tagLst>
 </file>
@@ -21933,8 +21360,6 @@
       </a:bgFillStyleLst>
     </a:fmtScheme>
   </a:themeElements>
-  <a:objectDefaults/>
-  <a:extraClrSchemeLst/>
   <a:extLst>
     <a:ext uri="{05A4C25C-085E-4340-85A3-A5531E510DB2}">
       <thm15:themeFamily xmlns:thm15="http://schemas.microsoft.com/office/thememl/2012/main" name="Office Theme" id="{62F939B6-93AF-4DB8-9C6B-D6C7DFDC589F}" vid="{4A3C46E8-61CC-4603-A589-7422A47A8E4A}"/>
@@ -22223,8 +21648,6 @@
       </a:bgFillStyleLst>
     </a:fmtScheme>
   </a:themeElements>
-  <a:objectDefaults/>
-  <a:extraClrSchemeLst/>
   <a:extLst>
     <a:ext uri="{05A4C25C-085E-4340-85A3-A5531E510DB2}">
       <thm15:themeFamily xmlns:thm15="http://schemas.microsoft.com/office/thememl/2012/main" name="Office Theme" id="{62F939B6-93AF-4DB8-9C6B-D6C7DFDC589F}" vid="{4A3C46E8-61CC-4603-A589-7422A47A8E4A}"/>
